--- a/final/flowchart.pptx
+++ b/final/flowchart.pptx
@@ -4,9 +4,13 @@
   <p:sldMasterIdLst>
     <p:sldMasterId id="2147483648" r:id="rId1"/>
   </p:sldMasterIdLst>
+  <p:notesMasterIdLst>
+    <p:notesMasterId r:id="rId5"/>
+  </p:notesMasterIdLst>
   <p:sldIdLst>
     <p:sldId id="256" r:id="rId2"/>
     <p:sldId id="257" r:id="rId3"/>
+    <p:sldId id="258" r:id="rId4"/>
   </p:sldIdLst>
   <p:sldSz cx="9144000" cy="6858000" type="screen4x3"/>
   <p:notesSz cx="6858000" cy="9144000"/>
@@ -106,6 +110,440 @@
     </a:lvl9pPr>
   </p:defaultTextStyle>
 </p:presentation>
+</file>
+
+<file path=ppt/notesMasters/notesMaster1.xml><?xml version="1.0" encoding="utf-8"?>
+<p:notesMaster xmlns:a="http://schemas.openxmlformats.org/drawingml/2006/main" xmlns:r="http://schemas.openxmlformats.org/officeDocument/2006/relationships" xmlns:p="http://schemas.openxmlformats.org/presentationml/2006/main">
+  <p:cSld>
+    <p:bg>
+      <p:bgRef idx="1001">
+        <a:schemeClr val="bg1"/>
+      </p:bgRef>
+    </p:bg>
+    <p:spTree>
+      <p:nvGrpSpPr>
+        <p:cNvPr id="1" name=""/>
+        <p:cNvGrpSpPr/>
+        <p:nvPr/>
+      </p:nvGrpSpPr>
+      <p:grpSpPr>
+        <a:xfrm>
+          <a:off x="0" y="0"/>
+          <a:ext cx="0" cy="0"/>
+          <a:chOff x="0" y="0"/>
+          <a:chExt cx="0" cy="0"/>
+        </a:xfrm>
+      </p:grpSpPr>
+      <p:sp>
+        <p:nvSpPr>
+          <p:cNvPr id="2" name="Header Placeholder 1"/>
+          <p:cNvSpPr>
+            <a:spLocks noGrp="1"/>
+          </p:cNvSpPr>
+          <p:nvPr>
+            <p:ph type="hdr" sz="quarter"/>
+          </p:nvPr>
+        </p:nvSpPr>
+        <p:spPr>
+          <a:xfrm>
+            <a:off x="0" y="0"/>
+            <a:ext cx="2971800" cy="457200"/>
+          </a:xfrm>
+          <a:prstGeom prst="rect">
+            <a:avLst/>
+          </a:prstGeom>
+        </p:spPr>
+        <p:txBody>
+          <a:bodyPr vert="horz" lIns="91440" tIns="45720" rIns="91440" bIns="45720" rtlCol="0"/>
+          <a:lstStyle>
+            <a:lvl1pPr algn="l">
+              <a:defRPr sz="1200"/>
+            </a:lvl1pPr>
+          </a:lstStyle>
+          <a:p>
+            <a:endParaRPr lang="en-US"/>
+          </a:p>
+        </p:txBody>
+      </p:sp>
+      <p:sp>
+        <p:nvSpPr>
+          <p:cNvPr id="3" name="Date Placeholder 2"/>
+          <p:cNvSpPr>
+            <a:spLocks noGrp="1"/>
+          </p:cNvSpPr>
+          <p:nvPr>
+            <p:ph type="dt" idx="1"/>
+          </p:nvPr>
+        </p:nvSpPr>
+        <p:spPr>
+          <a:xfrm>
+            <a:off x="3884613" y="0"/>
+            <a:ext cx="2971800" cy="457200"/>
+          </a:xfrm>
+          <a:prstGeom prst="rect">
+            <a:avLst/>
+          </a:prstGeom>
+        </p:spPr>
+        <p:txBody>
+          <a:bodyPr vert="horz" lIns="91440" tIns="45720" rIns="91440" bIns="45720" rtlCol="0"/>
+          <a:lstStyle>
+            <a:lvl1pPr algn="r">
+              <a:defRPr sz="1200"/>
+            </a:lvl1pPr>
+          </a:lstStyle>
+          <a:p>
+            <a:fld id="{5B3AAAF4-C58C-AE44-8633-B43DD59344F9}" type="datetimeFigureOut">
+              <a:rPr lang="en-US" smtClean="0"/>
+              <a:t>6/19/17</a:t>
+            </a:fld>
+            <a:endParaRPr lang="en-US"/>
+          </a:p>
+        </p:txBody>
+      </p:sp>
+      <p:sp>
+        <p:nvSpPr>
+          <p:cNvPr id="4" name="Slide Image Placeholder 3"/>
+          <p:cNvSpPr>
+            <a:spLocks noGrp="1" noRot="1" noChangeAspect="1"/>
+          </p:cNvSpPr>
+          <p:nvPr>
+            <p:ph type="sldImg" idx="2"/>
+          </p:nvPr>
+        </p:nvSpPr>
+        <p:spPr>
+          <a:xfrm>
+            <a:off x="1143000" y="685800"/>
+            <a:ext cx="4572000" cy="3429000"/>
+          </a:xfrm>
+          <a:prstGeom prst="rect">
+            <a:avLst/>
+          </a:prstGeom>
+          <a:noFill/>
+          <a:ln w="12700">
+            <a:solidFill>
+              <a:prstClr val="black"/>
+            </a:solidFill>
+          </a:ln>
+        </p:spPr>
+        <p:txBody>
+          <a:bodyPr vert="horz" lIns="91440" tIns="45720" rIns="91440" bIns="45720" rtlCol="0" anchor="ctr"/>
+          <a:lstStyle/>
+          <a:p>
+            <a:endParaRPr lang="en-US"/>
+          </a:p>
+        </p:txBody>
+      </p:sp>
+      <p:sp>
+        <p:nvSpPr>
+          <p:cNvPr id="5" name="Notes Placeholder 4"/>
+          <p:cNvSpPr>
+            <a:spLocks noGrp="1"/>
+          </p:cNvSpPr>
+          <p:nvPr>
+            <p:ph type="body" sz="quarter" idx="3"/>
+          </p:nvPr>
+        </p:nvSpPr>
+        <p:spPr>
+          <a:xfrm>
+            <a:off x="685800" y="4343400"/>
+            <a:ext cx="5486400" cy="4114800"/>
+          </a:xfrm>
+          <a:prstGeom prst="rect">
+            <a:avLst/>
+          </a:prstGeom>
+        </p:spPr>
+        <p:txBody>
+          <a:bodyPr vert="horz" lIns="91440" tIns="45720" rIns="91440" bIns="45720" rtlCol="0"/>
+          <a:lstStyle/>
+          <a:p>
+            <a:pPr lvl="0"/>
+            <a:r>
+              <a:rPr lang="en-US" smtClean="0"/>
+              <a:t>Click to edit Master text styles</a:t>
+            </a:r>
+          </a:p>
+          <a:p>
+            <a:pPr lvl="1"/>
+            <a:r>
+              <a:rPr lang="en-US" smtClean="0"/>
+              <a:t>Second level</a:t>
+            </a:r>
+          </a:p>
+          <a:p>
+            <a:pPr lvl="2"/>
+            <a:r>
+              <a:rPr lang="en-US" smtClean="0"/>
+              <a:t>Third level</a:t>
+            </a:r>
+          </a:p>
+          <a:p>
+            <a:pPr lvl="3"/>
+            <a:r>
+              <a:rPr lang="en-US" smtClean="0"/>
+              <a:t>Fourth level</a:t>
+            </a:r>
+          </a:p>
+          <a:p>
+            <a:pPr lvl="4"/>
+            <a:r>
+              <a:rPr lang="en-US" smtClean="0"/>
+              <a:t>Fifth level</a:t>
+            </a:r>
+            <a:endParaRPr lang="en-US"/>
+          </a:p>
+        </p:txBody>
+      </p:sp>
+      <p:sp>
+        <p:nvSpPr>
+          <p:cNvPr id="6" name="Footer Placeholder 5"/>
+          <p:cNvSpPr>
+            <a:spLocks noGrp="1"/>
+          </p:cNvSpPr>
+          <p:nvPr>
+            <p:ph type="ftr" sz="quarter" idx="4"/>
+          </p:nvPr>
+        </p:nvSpPr>
+        <p:spPr>
+          <a:xfrm>
+            <a:off x="0" y="8685213"/>
+            <a:ext cx="2971800" cy="457200"/>
+          </a:xfrm>
+          <a:prstGeom prst="rect">
+            <a:avLst/>
+          </a:prstGeom>
+        </p:spPr>
+        <p:txBody>
+          <a:bodyPr vert="horz" lIns="91440" tIns="45720" rIns="91440" bIns="45720" rtlCol="0" anchor="b"/>
+          <a:lstStyle>
+            <a:lvl1pPr algn="l">
+              <a:defRPr sz="1200"/>
+            </a:lvl1pPr>
+          </a:lstStyle>
+          <a:p>
+            <a:endParaRPr lang="en-US"/>
+          </a:p>
+        </p:txBody>
+      </p:sp>
+      <p:sp>
+        <p:nvSpPr>
+          <p:cNvPr id="7" name="Slide Number Placeholder 6"/>
+          <p:cNvSpPr>
+            <a:spLocks noGrp="1"/>
+          </p:cNvSpPr>
+          <p:nvPr>
+            <p:ph type="sldNum" sz="quarter" idx="5"/>
+          </p:nvPr>
+        </p:nvSpPr>
+        <p:spPr>
+          <a:xfrm>
+            <a:off x="3884613" y="8685213"/>
+            <a:ext cx="2971800" cy="457200"/>
+          </a:xfrm>
+          <a:prstGeom prst="rect">
+            <a:avLst/>
+          </a:prstGeom>
+        </p:spPr>
+        <p:txBody>
+          <a:bodyPr vert="horz" lIns="91440" tIns="45720" rIns="91440" bIns="45720" rtlCol="0" anchor="b"/>
+          <a:lstStyle>
+            <a:lvl1pPr algn="r">
+              <a:defRPr sz="1200"/>
+            </a:lvl1pPr>
+          </a:lstStyle>
+          <a:p>
+            <a:fld id="{74720A06-05FA-3144-BADC-EE39234CA1CE}" type="slidenum">
+              <a:rPr lang="en-US" smtClean="0"/>
+              <a:t>‹#›</a:t>
+            </a:fld>
+            <a:endParaRPr lang="en-US"/>
+          </a:p>
+        </p:txBody>
+      </p:sp>
+    </p:spTree>
+    <p:extLst>
+      <p:ext uri="{BB962C8B-B14F-4D97-AF65-F5344CB8AC3E}">
+        <p14:creationId xmlns:p14="http://schemas.microsoft.com/office/powerpoint/2010/main" val="3763423060"/>
+      </p:ext>
+    </p:extLst>
+  </p:cSld>
+  <p:clrMap bg1="lt1" tx1="dk1" bg2="lt2" tx2="dk2" accent1="accent1" accent2="accent2" accent3="accent3" accent4="accent4" accent5="accent5" accent6="accent6" hlink="hlink" folHlink="folHlink"/>
+  <p:notesStyle>
+    <a:lvl1pPr marL="0" algn="l" defTabSz="457200" rtl="0" eaLnBrk="1" latinLnBrk="0" hangingPunct="1">
+      <a:defRPr sz="1200" kern="1200">
+        <a:solidFill>
+          <a:schemeClr val="tx1"/>
+        </a:solidFill>
+        <a:latin typeface="+mn-lt"/>
+        <a:ea typeface="+mn-ea"/>
+        <a:cs typeface="+mn-cs"/>
+      </a:defRPr>
+    </a:lvl1pPr>
+    <a:lvl2pPr marL="457200" algn="l" defTabSz="457200" rtl="0" eaLnBrk="1" latinLnBrk="0" hangingPunct="1">
+      <a:defRPr sz="1200" kern="1200">
+        <a:solidFill>
+          <a:schemeClr val="tx1"/>
+        </a:solidFill>
+        <a:latin typeface="+mn-lt"/>
+        <a:ea typeface="+mn-ea"/>
+        <a:cs typeface="+mn-cs"/>
+      </a:defRPr>
+    </a:lvl2pPr>
+    <a:lvl3pPr marL="914400" algn="l" defTabSz="457200" rtl="0" eaLnBrk="1" latinLnBrk="0" hangingPunct="1">
+      <a:defRPr sz="1200" kern="1200">
+        <a:solidFill>
+          <a:schemeClr val="tx1"/>
+        </a:solidFill>
+        <a:latin typeface="+mn-lt"/>
+        <a:ea typeface="+mn-ea"/>
+        <a:cs typeface="+mn-cs"/>
+      </a:defRPr>
+    </a:lvl3pPr>
+    <a:lvl4pPr marL="1371600" algn="l" defTabSz="457200" rtl="0" eaLnBrk="1" latinLnBrk="0" hangingPunct="1">
+      <a:defRPr sz="1200" kern="1200">
+        <a:solidFill>
+          <a:schemeClr val="tx1"/>
+        </a:solidFill>
+        <a:latin typeface="+mn-lt"/>
+        <a:ea typeface="+mn-ea"/>
+        <a:cs typeface="+mn-cs"/>
+      </a:defRPr>
+    </a:lvl4pPr>
+    <a:lvl5pPr marL="1828800" algn="l" defTabSz="457200" rtl="0" eaLnBrk="1" latinLnBrk="0" hangingPunct="1">
+      <a:defRPr sz="1200" kern="1200">
+        <a:solidFill>
+          <a:schemeClr val="tx1"/>
+        </a:solidFill>
+        <a:latin typeface="+mn-lt"/>
+        <a:ea typeface="+mn-ea"/>
+        <a:cs typeface="+mn-cs"/>
+      </a:defRPr>
+    </a:lvl5pPr>
+    <a:lvl6pPr marL="2286000" algn="l" defTabSz="457200" rtl="0" eaLnBrk="1" latinLnBrk="0" hangingPunct="1">
+      <a:defRPr sz="1200" kern="1200">
+        <a:solidFill>
+          <a:schemeClr val="tx1"/>
+        </a:solidFill>
+        <a:latin typeface="+mn-lt"/>
+        <a:ea typeface="+mn-ea"/>
+        <a:cs typeface="+mn-cs"/>
+      </a:defRPr>
+    </a:lvl6pPr>
+    <a:lvl7pPr marL="2743200" algn="l" defTabSz="457200" rtl="0" eaLnBrk="1" latinLnBrk="0" hangingPunct="1">
+      <a:defRPr sz="1200" kern="1200">
+        <a:solidFill>
+          <a:schemeClr val="tx1"/>
+        </a:solidFill>
+        <a:latin typeface="+mn-lt"/>
+        <a:ea typeface="+mn-ea"/>
+        <a:cs typeface="+mn-cs"/>
+      </a:defRPr>
+    </a:lvl7pPr>
+    <a:lvl8pPr marL="3200400" algn="l" defTabSz="457200" rtl="0" eaLnBrk="1" latinLnBrk="0" hangingPunct="1">
+      <a:defRPr sz="1200" kern="1200">
+        <a:solidFill>
+          <a:schemeClr val="tx1"/>
+        </a:solidFill>
+        <a:latin typeface="+mn-lt"/>
+        <a:ea typeface="+mn-ea"/>
+        <a:cs typeface="+mn-cs"/>
+      </a:defRPr>
+    </a:lvl8pPr>
+    <a:lvl9pPr marL="3657600" algn="l" defTabSz="457200" rtl="0" eaLnBrk="1" latinLnBrk="0" hangingPunct="1">
+      <a:defRPr sz="1200" kern="1200">
+        <a:solidFill>
+          <a:schemeClr val="tx1"/>
+        </a:solidFill>
+        <a:latin typeface="+mn-lt"/>
+        <a:ea typeface="+mn-ea"/>
+        <a:cs typeface="+mn-cs"/>
+      </a:defRPr>
+    </a:lvl9pPr>
+  </p:notesStyle>
+</p:notesMaster>
+</file>
+
+<file path=ppt/notesSlides/notesSlide1.xml><?xml version="1.0" encoding="utf-8"?>
+<p:notes xmlns:a="http://schemas.openxmlformats.org/drawingml/2006/main" xmlns:r="http://schemas.openxmlformats.org/officeDocument/2006/relationships" xmlns:p="http://schemas.openxmlformats.org/presentationml/2006/main">
+  <p:cSld>
+    <p:spTree>
+      <p:nvGrpSpPr>
+        <p:cNvPr id="1" name=""/>
+        <p:cNvGrpSpPr/>
+        <p:nvPr/>
+      </p:nvGrpSpPr>
+      <p:grpSpPr>
+        <a:xfrm>
+          <a:off x="0" y="0"/>
+          <a:ext cx="0" cy="0"/>
+          <a:chOff x="0" y="0"/>
+          <a:chExt cx="0" cy="0"/>
+        </a:xfrm>
+      </p:grpSpPr>
+      <p:sp>
+        <p:nvSpPr>
+          <p:cNvPr id="2" name="Slide Image Placeholder 1"/>
+          <p:cNvSpPr>
+            <a:spLocks noGrp="1" noRot="1" noChangeAspect="1"/>
+          </p:cNvSpPr>
+          <p:nvPr>
+            <p:ph type="sldImg"/>
+          </p:nvPr>
+        </p:nvSpPr>
+        <p:spPr/>
+      </p:sp>
+      <p:sp>
+        <p:nvSpPr>
+          <p:cNvPr id="3" name="Notes Placeholder 2"/>
+          <p:cNvSpPr>
+            <a:spLocks noGrp="1"/>
+          </p:cNvSpPr>
+          <p:nvPr>
+            <p:ph type="body" idx="1"/>
+          </p:nvPr>
+        </p:nvSpPr>
+        <p:spPr/>
+        <p:txBody>
+          <a:bodyPr/>
+          <a:lstStyle/>
+          <a:p>
+            <a:endParaRPr lang="en-US" dirty="0"/>
+          </a:p>
+        </p:txBody>
+      </p:sp>
+      <p:sp>
+        <p:nvSpPr>
+          <p:cNvPr id="4" name="Slide Number Placeholder 3"/>
+          <p:cNvSpPr>
+            <a:spLocks noGrp="1"/>
+          </p:cNvSpPr>
+          <p:nvPr>
+            <p:ph type="sldNum" sz="quarter" idx="10"/>
+          </p:nvPr>
+        </p:nvSpPr>
+        <p:spPr/>
+        <p:txBody>
+          <a:bodyPr/>
+          <a:lstStyle/>
+          <a:p>
+            <a:fld id="{74720A06-05FA-3144-BADC-EE39234CA1CE}" type="slidenum">
+              <a:rPr lang="en-US" smtClean="0"/>
+              <a:t>3</a:t>
+            </a:fld>
+            <a:endParaRPr lang="en-US"/>
+          </a:p>
+        </p:txBody>
+      </p:sp>
+    </p:spTree>
+    <p:extLst>
+      <p:ext uri="{BB962C8B-B14F-4D97-AF65-F5344CB8AC3E}">
+        <p14:creationId xmlns:p14="http://schemas.microsoft.com/office/powerpoint/2010/main" val="3236859951"/>
+      </p:ext>
+    </p:extLst>
+  </p:cSld>
+  <p:clrMapOvr>
+    <a:masterClrMapping/>
+  </p:clrMapOvr>
+</p:notes>
 </file>
 
 <file path=ppt/slideLayouts/slideLayout1.xml><?xml version="1.0" encoding="utf-8"?>
@@ -3166,7 +3604,7 @@
       </p:grpSpPr>
       <p:grpSp>
         <p:nvGrpSpPr>
-          <p:cNvPr id="69" name="Group 68"/>
+          <p:cNvPr id="81" name="Group 80"/>
           <p:cNvGrpSpPr/>
           <p:nvPr/>
         </p:nvGrpSpPr>
@@ -3174,39 +3612,555 @@
           <a:xfrm>
             <a:off x="2646085" y="-41356"/>
             <a:ext cx="5006079" cy="5807579"/>
-            <a:chOff x="2971457" y="383778"/>
+            <a:chOff x="2646085" y="-41356"/>
             <a:chExt cx="5006079" cy="5807579"/>
           </a:xfrm>
         </p:grpSpPr>
         <p:grpSp>
           <p:nvGrpSpPr>
-            <p:cNvPr id="8" name="Group 7"/>
+            <p:cNvPr id="69" name="Group 68"/>
             <p:cNvGrpSpPr/>
             <p:nvPr/>
           </p:nvGrpSpPr>
           <p:grpSpPr>
             <a:xfrm>
-              <a:off x="3231051" y="383778"/>
-              <a:ext cx="2014349" cy="692776"/>
-              <a:chOff x="2363900" y="1731939"/>
-              <a:chExt cx="1695826" cy="865970"/>
+              <a:off x="2646085" y="-41356"/>
+              <a:ext cx="5006079" cy="5807579"/>
+              <a:chOff x="2971457" y="383778"/>
+              <a:chExt cx="5006079" cy="5807579"/>
             </a:xfrm>
           </p:grpSpPr>
-          <p:sp>
-            <p:nvSpPr>
-              <p:cNvPr id="6" name="Process 5"/>
-              <p:cNvSpPr/>
+          <p:grpSp>
+            <p:nvGrpSpPr>
+              <p:cNvPr id="8" name="Group 7"/>
+              <p:cNvGrpSpPr/>
               <p:nvPr/>
-            </p:nvSpPr>
+            </p:nvGrpSpPr>
+            <p:grpSpPr>
+              <a:xfrm>
+                <a:off x="3231051" y="383778"/>
+                <a:ext cx="2014349" cy="692776"/>
+                <a:chOff x="2363900" y="1731939"/>
+                <a:chExt cx="1695826" cy="865970"/>
+              </a:xfrm>
+            </p:grpSpPr>
+            <p:sp>
+              <p:nvSpPr>
+                <p:cNvPr id="6" name="Process 5"/>
+                <p:cNvSpPr/>
+                <p:nvPr/>
+              </p:nvSpPr>
+              <p:spPr>
+                <a:xfrm>
+                  <a:off x="2363900" y="1731939"/>
+                  <a:ext cx="1695826" cy="865970"/>
+                </a:xfrm>
+                <a:prstGeom prst="flowChartProcess">
+                  <a:avLst/>
+                </a:prstGeom>
+                <a:noFill/>
+                <a:ln>
+                  <a:solidFill>
+                    <a:schemeClr val="tx1"/>
+                  </a:solidFill>
+                </a:ln>
+                <a:effectLst/>
+              </p:spPr>
+              <p:style>
+                <a:lnRef idx="1">
+                  <a:schemeClr val="accent1"/>
+                </a:lnRef>
+                <a:fillRef idx="3">
+                  <a:schemeClr val="accent1"/>
+                </a:fillRef>
+                <a:effectRef idx="2">
+                  <a:schemeClr val="accent1"/>
+                </a:effectRef>
+                <a:fontRef idx="minor">
+                  <a:schemeClr val="lt1"/>
+                </a:fontRef>
+              </p:style>
+              <p:txBody>
+                <a:bodyPr rtlCol="0" anchor="ctr"/>
+                <a:lstStyle/>
+                <a:p>
+                  <a:pPr algn="ctr"/>
+                  <a:endParaRPr lang="en-US"/>
+                </a:p>
+              </p:txBody>
+            </p:sp>
+            <p:sp>
+              <p:nvSpPr>
+                <p:cNvPr id="7" name="TextBox 6"/>
+                <p:cNvSpPr txBox="1"/>
+                <p:nvPr/>
+              </p:nvSpPr>
+              <p:spPr>
+                <a:xfrm>
+                  <a:off x="2740019" y="1934682"/>
+                  <a:ext cx="1213016" cy="423193"/>
+                </a:xfrm>
+                <a:prstGeom prst="rect">
+                  <a:avLst/>
+                </a:prstGeom>
+                <a:noFill/>
+              </p:spPr>
+              <p:txBody>
+                <a:bodyPr wrap="square" rtlCol="0">
+                  <a:spAutoFit/>
+                </a:bodyPr>
+                <a:lstStyle/>
+                <a:p>
+                  <a:r>
+                    <a:rPr lang="en-US" sz="1600" dirty="0" smtClean="0">
+                      <a:latin typeface="Times New Roman"/>
+                      <a:cs typeface="Times New Roman"/>
+                    </a:rPr>
+                    <a:t>β estimation</a:t>
+                  </a:r>
+                  <a:endParaRPr lang="en-US" sz="1600" dirty="0">
+                    <a:latin typeface="Times New Roman"/>
+                    <a:cs typeface="Times New Roman"/>
+                  </a:endParaRPr>
+                </a:p>
+              </p:txBody>
+            </p:sp>
+          </p:grpSp>
+          <p:grpSp>
+            <p:nvGrpSpPr>
+              <p:cNvPr id="26" name="Group 25"/>
+              <p:cNvGrpSpPr>
+                <a:grpSpLocks noChangeAspect="1"/>
+              </p:cNvGrpSpPr>
+              <p:nvPr/>
+            </p:nvGrpSpPr>
+            <p:grpSpPr>
+              <a:xfrm>
+                <a:off x="2971457" y="2434114"/>
+                <a:ext cx="2533495" cy="1279183"/>
+                <a:chOff x="3243064" y="4013932"/>
+                <a:chExt cx="2033590" cy="971913"/>
+              </a:xfrm>
+            </p:grpSpPr>
+            <p:sp>
+              <p:nvSpPr>
+                <p:cNvPr id="24" name="Decision 23"/>
+                <p:cNvSpPr/>
+                <p:nvPr/>
+              </p:nvSpPr>
+              <p:spPr>
+                <a:xfrm>
+                  <a:off x="3243064" y="4013932"/>
+                  <a:ext cx="2033590" cy="971913"/>
+                </a:xfrm>
+                <a:prstGeom prst="flowChartDecision">
+                  <a:avLst/>
+                </a:prstGeom>
+                <a:noFill/>
+                <a:ln>
+                  <a:solidFill>
+                    <a:schemeClr val="tx1"/>
+                  </a:solidFill>
+                </a:ln>
+                <a:effectLst/>
+              </p:spPr>
+              <p:style>
+                <a:lnRef idx="1">
+                  <a:schemeClr val="accent1"/>
+                </a:lnRef>
+                <a:fillRef idx="3">
+                  <a:schemeClr val="accent1"/>
+                </a:fillRef>
+                <a:effectRef idx="2">
+                  <a:schemeClr val="accent1"/>
+                </a:effectRef>
+                <a:fontRef idx="minor">
+                  <a:schemeClr val="lt1"/>
+                </a:fontRef>
+              </p:style>
+              <p:txBody>
+                <a:bodyPr rtlCol="0" anchor="ctr"/>
+                <a:lstStyle/>
+                <a:p>
+                  <a:pPr algn="ctr"/>
+                  <a:endParaRPr lang="en-US"/>
+                </a:p>
+              </p:txBody>
+            </p:sp>
+            <p:sp>
+              <p:nvSpPr>
+                <p:cNvPr id="25" name="TextBox 24"/>
+                <p:cNvSpPr txBox="1"/>
+                <p:nvPr/>
+              </p:nvSpPr>
+              <p:spPr>
+                <a:xfrm>
+                  <a:off x="3643088" y="4243300"/>
+                  <a:ext cx="1465386" cy="444308"/>
+                </a:xfrm>
+                <a:prstGeom prst="rect">
+                  <a:avLst/>
+                </a:prstGeom>
+                <a:noFill/>
+              </p:spPr>
+              <p:txBody>
+                <a:bodyPr wrap="square" rtlCol="0">
+                  <a:spAutoFit/>
+                </a:bodyPr>
+                <a:lstStyle/>
+                <a:p>
+                  <a:r>
+                    <a:rPr lang="en-US" sz="1600" dirty="0" smtClean="0">
+                      <a:latin typeface="Times New Roman"/>
+                      <a:cs typeface="Times New Roman"/>
+                    </a:rPr>
+                    <a:t>Evaluation guitar alternately tuned?</a:t>
+                  </a:r>
+                  <a:endParaRPr lang="en-US" sz="1600" dirty="0">
+                    <a:latin typeface="Times New Roman"/>
+                    <a:cs typeface="Times New Roman"/>
+                  </a:endParaRPr>
+                </a:p>
+              </p:txBody>
+            </p:sp>
+          </p:grpSp>
+          <p:graphicFrame>
+            <p:nvGraphicFramePr>
+              <p:cNvPr id="28" name="Object 27"/>
+              <p:cNvGraphicFramePr>
+                <a:graphicFrameLocks noChangeAspect="1"/>
+              </p:cNvGraphicFramePr>
+              <p:nvPr>
+                <p:extLst>
+                  <p:ext uri="{D42A27DB-BD31-4B8C-83A1-F6EECF244321}">
+                    <p14:modId xmlns:p14="http://schemas.microsoft.com/office/powerpoint/2010/main" val="2841791698"/>
+                  </p:ext>
+                </p:extLst>
+              </p:nvPr>
+            </p:nvGraphicFramePr>
+            <p:xfrm>
+              <a:off x="4514850" y="2829236"/>
+              <a:ext cx="114300" cy="165100"/>
+            </p:xfrm>
+            <a:graphic>
+              <a:graphicData uri="http://schemas.openxmlformats.org/presentationml/2006/ole">
+                <mc:AlternateContent xmlns:mc="http://schemas.openxmlformats.org/markup-compatibility/2006">
+                  <mc:Choice xmlns:v="urn:schemas-microsoft-com:vml" Requires="v">
+                    <p:oleObj spid="_x0000_s1042" name="Equation" r:id="rId3" imgW="114300" imgH="165100" progId="Equation.3">
+                      <p:embed/>
+                    </p:oleObj>
+                  </mc:Choice>
+                  <mc:Fallback>
+                    <p:oleObj name="Equation" r:id="rId3" imgW="114300" imgH="165100" progId="Equation.3">
+                      <p:embed/>
+                      <p:pic>
+                        <p:nvPicPr>
+                          <p:cNvPr id="0" name=""/>
+                          <p:cNvPicPr/>
+                          <p:nvPr/>
+                        </p:nvPicPr>
+                        <p:blipFill>
+                          <a:blip r:embed="rId4"/>
+                          <a:stretch>
+                            <a:fillRect/>
+                          </a:stretch>
+                        </p:blipFill>
+                        <p:spPr>
+                          <a:xfrm>
+                            <a:off x="4514850" y="2829236"/>
+                            <a:ext cx="114300" cy="165100"/>
+                          </a:xfrm>
+                          <a:prstGeom prst="rect">
+                            <a:avLst/>
+                          </a:prstGeom>
+                        </p:spPr>
+                      </p:pic>
+                    </p:oleObj>
+                  </mc:Fallback>
+                </mc:AlternateContent>
+              </a:graphicData>
+            </a:graphic>
+          </p:graphicFrame>
+          <p:grpSp>
+            <p:nvGrpSpPr>
+              <p:cNvPr id="18" name="Group 17"/>
+              <p:cNvGrpSpPr/>
+              <p:nvPr/>
+            </p:nvGrpSpPr>
+            <p:grpSpPr>
+              <a:xfrm>
+                <a:off x="3136283" y="1409912"/>
+                <a:ext cx="2110546" cy="692776"/>
+                <a:chOff x="3134855" y="1246780"/>
+                <a:chExt cx="2110546" cy="692776"/>
+              </a:xfrm>
+            </p:grpSpPr>
+            <p:sp>
+              <p:nvSpPr>
+                <p:cNvPr id="19" name="Process 18"/>
+                <p:cNvSpPr/>
+                <p:nvPr/>
+              </p:nvSpPr>
+              <p:spPr>
+                <a:xfrm>
+                  <a:off x="3231052" y="1246780"/>
+                  <a:ext cx="2014349" cy="692776"/>
+                </a:xfrm>
+                <a:prstGeom prst="flowChartProcess">
+                  <a:avLst/>
+                </a:prstGeom>
+                <a:noFill/>
+                <a:ln>
+                  <a:solidFill>
+                    <a:schemeClr val="tx1"/>
+                  </a:solidFill>
+                </a:ln>
+                <a:effectLst/>
+              </p:spPr>
+              <p:style>
+                <a:lnRef idx="1">
+                  <a:schemeClr val="accent1"/>
+                </a:lnRef>
+                <a:fillRef idx="3">
+                  <a:schemeClr val="accent1"/>
+                </a:fillRef>
+                <a:effectRef idx="2">
+                  <a:schemeClr val="accent1"/>
+                </a:effectRef>
+                <a:fontRef idx="minor">
+                  <a:schemeClr val="lt1"/>
+                </a:fontRef>
+              </p:style>
+              <p:txBody>
+                <a:bodyPr rtlCol="0" anchor="ctr"/>
+                <a:lstStyle/>
+                <a:p>
+                  <a:pPr algn="ctr"/>
+                  <a:endParaRPr lang="en-US"/>
+                </a:p>
+              </p:txBody>
+            </p:sp>
+            <p:sp>
+              <p:nvSpPr>
+                <p:cNvPr id="20" name="TextBox 19"/>
+                <p:cNvSpPr txBox="1"/>
+                <p:nvPr/>
+              </p:nvSpPr>
+              <p:spPr>
+                <a:xfrm>
+                  <a:off x="3134855" y="1270390"/>
+                  <a:ext cx="2033590" cy="584776"/>
+                </a:xfrm>
+                <a:prstGeom prst="rect">
+                  <a:avLst/>
+                </a:prstGeom>
+                <a:noFill/>
+              </p:spPr>
+              <p:txBody>
+                <a:bodyPr wrap="square" rtlCol="0">
+                  <a:spAutoFit/>
+                </a:bodyPr>
+                <a:lstStyle/>
+                <a:p>
+                  <a:pPr algn="ctr"/>
+                  <a:r>
+                    <a:rPr lang="en-US" sz="1600" dirty="0" smtClean="0">
+                      <a:latin typeface="Times New Roman"/>
+                      <a:cs typeface="Times New Roman"/>
+                    </a:rPr>
+                    <a:t>Learn log</a:t>
+                  </a:r>
+                  <a:r>
+                    <a:rPr lang="en-US" sz="1600" baseline="-25000" dirty="0" smtClean="0">
+                      <a:latin typeface="Times New Roman"/>
+                      <a:cs typeface="Times New Roman"/>
+                    </a:rPr>
+                    <a:t>2</a:t>
+                  </a:r>
+                  <a:r>
+                    <a:rPr lang="en-US" sz="1600" dirty="0" smtClean="0">
+                      <a:latin typeface="Times New Roman"/>
+                      <a:cs typeface="Times New Roman"/>
+                    </a:rPr>
+                    <a:t>β trajectories,</a:t>
+                  </a:r>
+                  <a:endParaRPr lang="en-US" sz="1600" dirty="0">
+                    <a:latin typeface="Times New Roman"/>
+                    <a:cs typeface="Times New Roman"/>
+                  </a:endParaRPr>
+                </a:p>
+              </p:txBody>
+            </p:sp>
+          </p:grpSp>
+          <p:cxnSp>
+            <p:nvCxnSpPr>
+              <p:cNvPr id="32" name="Straight Arrow Connector 31"/>
+              <p:cNvCxnSpPr/>
+              <p:nvPr/>
+            </p:nvCxnSpPr>
             <p:spPr>
               <a:xfrm>
-                <a:off x="2363900" y="1731939"/>
-                <a:ext cx="1695826" cy="865970"/>
+                <a:off x="4243620" y="1070264"/>
+                <a:ext cx="0" cy="343749"/>
               </a:xfrm>
-              <a:prstGeom prst="flowChartProcess">
+              <a:prstGeom prst="straightConnector1">
                 <a:avLst/>
               </a:prstGeom>
-              <a:noFill/>
+              <a:ln>
+                <a:solidFill>
+                  <a:schemeClr val="tx1"/>
+                </a:solidFill>
+                <a:tailEnd type="arrow"/>
+              </a:ln>
+              <a:effectLst/>
+            </p:spPr>
+            <p:style>
+              <a:lnRef idx="2">
+                <a:schemeClr val="accent1"/>
+              </a:lnRef>
+              <a:fillRef idx="0">
+                <a:schemeClr val="accent1"/>
+              </a:fillRef>
+              <a:effectRef idx="1">
+                <a:schemeClr val="accent1"/>
+              </a:effectRef>
+              <a:fontRef idx="minor">
+                <a:schemeClr val="tx1"/>
+              </a:fontRef>
+            </p:style>
+          </p:cxnSp>
+          <p:cxnSp>
+            <p:nvCxnSpPr>
+              <p:cNvPr id="35" name="Straight Arrow Connector 34"/>
+              <p:cNvCxnSpPr/>
+              <p:nvPr/>
+            </p:nvCxnSpPr>
+            <p:spPr>
+              <a:xfrm>
+                <a:off x="4243620" y="2102688"/>
+                <a:ext cx="0" cy="343749"/>
+              </a:xfrm>
+              <a:prstGeom prst="straightConnector1">
+                <a:avLst/>
+              </a:prstGeom>
+              <a:ln>
+                <a:solidFill>
+                  <a:schemeClr val="tx1"/>
+                </a:solidFill>
+                <a:tailEnd type="arrow"/>
+              </a:ln>
+              <a:effectLst/>
+            </p:spPr>
+            <p:style>
+              <a:lnRef idx="2">
+                <a:schemeClr val="accent1"/>
+              </a:lnRef>
+              <a:fillRef idx="0">
+                <a:schemeClr val="accent1"/>
+              </a:fillRef>
+              <a:effectRef idx="1">
+                <a:schemeClr val="accent1"/>
+              </a:effectRef>
+              <a:fontRef idx="minor">
+                <a:schemeClr val="tx1"/>
+              </a:fontRef>
+            </p:style>
+          </p:cxnSp>
+          <p:cxnSp>
+            <p:nvCxnSpPr>
+              <p:cNvPr id="36" name="Straight Arrow Connector 35"/>
+              <p:cNvCxnSpPr>
+                <a:stCxn id="24" idx="2"/>
+                <a:endCxn id="50" idx="0"/>
+              </p:cNvCxnSpPr>
+              <p:nvPr/>
+            </p:nvCxnSpPr>
+            <p:spPr>
+              <a:xfrm>
+                <a:off x="4238205" y="3713297"/>
+                <a:ext cx="5415" cy="744808"/>
+              </a:xfrm>
+              <a:prstGeom prst="straightConnector1">
+                <a:avLst/>
+              </a:prstGeom>
+              <a:ln>
+                <a:solidFill>
+                  <a:schemeClr val="tx1"/>
+                </a:solidFill>
+                <a:tailEnd type="arrow"/>
+              </a:ln>
+              <a:effectLst/>
+            </p:spPr>
+            <p:style>
+              <a:lnRef idx="2">
+                <a:schemeClr val="accent1"/>
+              </a:lnRef>
+              <a:fillRef idx="0">
+                <a:schemeClr val="accent1"/>
+              </a:fillRef>
+              <a:effectRef idx="1">
+                <a:schemeClr val="accent1"/>
+              </a:effectRef>
+              <a:fontRef idx="minor">
+                <a:schemeClr val="tx1"/>
+              </a:fontRef>
+            </p:style>
+          </p:cxnSp>
+          <p:cxnSp>
+            <p:nvCxnSpPr>
+              <p:cNvPr id="37" name="Straight Arrow Connector 36"/>
+              <p:cNvCxnSpPr>
+                <a:endCxn id="16" idx="0"/>
+              </p:cNvCxnSpPr>
+              <p:nvPr/>
+            </p:nvCxnSpPr>
+            <p:spPr>
+              <a:xfrm>
+                <a:off x="6970362" y="3073706"/>
+                <a:ext cx="0" cy="469997"/>
+              </a:xfrm>
+              <a:prstGeom prst="straightConnector1">
+                <a:avLst/>
+              </a:prstGeom>
+              <a:ln>
+                <a:solidFill>
+                  <a:schemeClr val="tx1"/>
+                </a:solidFill>
+                <a:tailEnd type="arrow"/>
+              </a:ln>
+              <a:effectLst/>
+            </p:spPr>
+            <p:style>
+              <a:lnRef idx="2">
+                <a:schemeClr val="accent1"/>
+              </a:lnRef>
+              <a:fillRef idx="0">
+                <a:schemeClr val="accent1"/>
+              </a:fillRef>
+              <a:effectRef idx="1">
+                <a:schemeClr val="accent1"/>
+              </a:effectRef>
+              <a:fontRef idx="minor">
+                <a:schemeClr val="tx1"/>
+              </a:fontRef>
+            </p:style>
+          </p:cxnSp>
+          <p:cxnSp>
+            <p:nvCxnSpPr>
+              <p:cNvPr id="40" name="Straight Connector 39"/>
+              <p:cNvCxnSpPr>
+                <a:stCxn id="24" idx="3"/>
+              </p:cNvCxnSpPr>
+              <p:nvPr/>
+            </p:nvCxnSpPr>
+            <p:spPr>
+              <a:xfrm>
+                <a:off x="5504952" y="3073706"/>
+                <a:ext cx="1457804" cy="14399"/>
+              </a:xfrm>
+              <a:prstGeom prst="line">
+                <a:avLst/>
+              </a:prstGeom>
               <a:ln>
                 <a:solidFill>
                   <a:schemeClr val="tx1"/>
@@ -3215,38 +4169,30 @@
               <a:effectLst/>
             </p:spPr>
             <p:style>
-              <a:lnRef idx="1">
+              <a:lnRef idx="2">
                 <a:schemeClr val="accent1"/>
               </a:lnRef>
-              <a:fillRef idx="3">
+              <a:fillRef idx="0">
                 <a:schemeClr val="accent1"/>
               </a:fillRef>
-              <a:effectRef idx="2">
+              <a:effectRef idx="1">
                 <a:schemeClr val="accent1"/>
               </a:effectRef>
               <a:fontRef idx="minor">
-                <a:schemeClr val="lt1"/>
+                <a:schemeClr val="tx1"/>
               </a:fontRef>
             </p:style>
-            <p:txBody>
-              <a:bodyPr rtlCol="0" anchor="ctr"/>
-              <a:lstStyle/>
-              <a:p>
-                <a:pPr algn="ctr"/>
-                <a:endParaRPr lang="en-US"/>
-              </a:p>
-            </p:txBody>
-          </p:sp>
+          </p:cxnSp>
           <p:sp>
             <p:nvSpPr>
-              <p:cNvPr id="7" name="TextBox 6"/>
+              <p:cNvPr id="43" name="TextBox 42"/>
               <p:cNvSpPr txBox="1"/>
               <p:nvPr/>
             </p:nvSpPr>
             <p:spPr>
               <a:xfrm>
-                <a:off x="2740019" y="1934682"/>
-                <a:ext cx="1213016" cy="423193"/>
+                <a:off x="5415742" y="2717552"/>
+                <a:ext cx="483225" cy="338554"/>
               </a:xfrm>
               <a:prstGeom prst="rect">
                 <a:avLst/>
@@ -3254,7 +4200,7 @@
               <a:noFill/>
             </p:spPr>
             <p:txBody>
-              <a:bodyPr wrap="square" rtlCol="0">
+              <a:bodyPr wrap="none" rtlCol="0">
                 <a:spAutoFit/>
               </a:bodyPr>
               <a:lstStyle/>
@@ -3264,87 +4210,25 @@
                     <a:latin typeface="Times New Roman"/>
                     <a:cs typeface="Times New Roman"/>
                   </a:rPr>
-                  <a:t>β estimation</a:t>
+                  <a:t>Yes</a:t>
                 </a:r>
-                <a:endParaRPr lang="en-US" sz="1600" dirty="0">
+                <a:endParaRPr lang="en-US" dirty="0">
                   <a:latin typeface="Times New Roman"/>
                   <a:cs typeface="Times New Roman"/>
                 </a:endParaRPr>
               </a:p>
             </p:txBody>
           </p:sp>
-        </p:grpSp>
-        <p:grpSp>
-          <p:nvGrpSpPr>
-            <p:cNvPr id="26" name="Group 25"/>
-            <p:cNvGrpSpPr>
-              <a:grpSpLocks noChangeAspect="1"/>
-            </p:cNvGrpSpPr>
-            <p:nvPr/>
-          </p:nvGrpSpPr>
-          <p:grpSpPr>
-            <a:xfrm>
-              <a:off x="2971457" y="2434114"/>
-              <a:ext cx="2533495" cy="1279183"/>
-              <a:chOff x="3243064" y="4013932"/>
-              <a:chExt cx="2033590" cy="971913"/>
-            </a:xfrm>
-          </p:grpSpPr>
           <p:sp>
             <p:nvSpPr>
-              <p:cNvPr id="24" name="Decision 23"/>
-              <p:cNvSpPr/>
-              <p:nvPr/>
-            </p:nvSpPr>
-            <p:spPr>
-              <a:xfrm>
-                <a:off x="3243064" y="4013932"/>
-                <a:ext cx="2033590" cy="971913"/>
-              </a:xfrm>
-              <a:prstGeom prst="flowChartDecision">
-                <a:avLst/>
-              </a:prstGeom>
-              <a:noFill/>
-              <a:ln>
-                <a:solidFill>
-                  <a:schemeClr val="tx1"/>
-                </a:solidFill>
-              </a:ln>
-              <a:effectLst/>
-            </p:spPr>
-            <p:style>
-              <a:lnRef idx="1">
-                <a:schemeClr val="accent1"/>
-              </a:lnRef>
-              <a:fillRef idx="3">
-                <a:schemeClr val="accent1"/>
-              </a:fillRef>
-              <a:effectRef idx="2">
-                <a:schemeClr val="accent1"/>
-              </a:effectRef>
-              <a:fontRef idx="minor">
-                <a:schemeClr val="lt1"/>
-              </a:fontRef>
-            </p:style>
-            <p:txBody>
-              <a:bodyPr rtlCol="0" anchor="ctr"/>
-              <a:lstStyle/>
-              <a:p>
-                <a:pPr algn="ctr"/>
-                <a:endParaRPr lang="en-US"/>
-              </a:p>
-            </p:txBody>
-          </p:sp>
-          <p:sp>
-            <p:nvSpPr>
-              <p:cNvPr id="25" name="TextBox 24"/>
+              <p:cNvPr id="44" name="TextBox 43"/>
               <p:cNvSpPr txBox="1"/>
               <p:nvPr/>
             </p:nvSpPr>
             <p:spPr>
               <a:xfrm>
-                <a:off x="3643088" y="4243300"/>
-                <a:ext cx="1465386" cy="444308"/>
+                <a:off x="4262216" y="3622207"/>
+                <a:ext cx="435436" cy="338554"/>
               </a:xfrm>
               <a:prstGeom prst="rect">
                 <a:avLst/>
@@ -3352,7 +4236,7 @@
               <a:noFill/>
             </p:spPr>
             <p:txBody>
-              <a:bodyPr wrap="square" rtlCol="0">
+              <a:bodyPr wrap="none" rtlCol="0">
                 <a:spAutoFit/>
               </a:bodyPr>
               <a:lstStyle/>
@@ -3362,7 +4246,7 @@
                     <a:latin typeface="Times New Roman"/>
                     <a:cs typeface="Times New Roman"/>
                   </a:rPr>
-                  <a:t>Evaluation guitar alternately tuned?</a:t>
+                  <a:t>No</a:t>
                 </a:r>
                 <a:endParaRPr lang="en-US" sz="1600" dirty="0">
                   <a:latin typeface="Times New Roman"/>
@@ -3371,93 +4255,214 @@
               </a:p>
             </p:txBody>
           </p:sp>
-        </p:grpSp>
-        <p:graphicFrame>
-          <p:nvGraphicFramePr>
-            <p:cNvPr id="28" name="Object 27"/>
-            <p:cNvGraphicFramePr>
-              <a:graphicFrameLocks noChangeAspect="1"/>
-            </p:cNvGraphicFramePr>
-            <p:nvPr>
-              <p:extLst>
-                <p:ext uri="{D42A27DB-BD31-4B8C-83A1-F6EECF244321}">
-                  <p14:modId xmlns:p14="http://schemas.microsoft.com/office/powerpoint/2010/main" val="2841791698"/>
-                </p:ext>
-              </p:extLst>
-            </p:nvPr>
-          </p:nvGraphicFramePr>
-          <p:xfrm>
-            <a:off x="4514850" y="2829236"/>
-            <a:ext cx="114300" cy="165100"/>
-          </p:xfrm>
-          <a:graphic>
-            <a:graphicData uri="http://schemas.openxmlformats.org/presentationml/2006/ole">
-              <mc:AlternateContent xmlns:mc="http://schemas.openxmlformats.org/markup-compatibility/2006">
-                <mc:Choice xmlns:v="urn:schemas-microsoft-com:vml" Requires="v">
-                  <p:oleObj spid="_x0000_s1039" name="Equation" r:id="rId3" imgW="114300" imgH="165100" progId="Equation.3">
-                    <p:embed/>
-                  </p:oleObj>
-                </mc:Choice>
-                <mc:Fallback>
-                  <p:oleObj name="Equation" r:id="rId3" imgW="114300" imgH="165100" progId="Equation.3">
-                    <p:embed/>
-                    <p:pic>
-                      <p:nvPicPr>
-                        <p:cNvPr id="0" name=""/>
-                        <p:cNvPicPr/>
-                        <p:nvPr/>
-                      </p:nvPicPr>
-                      <p:blipFill>
-                        <a:blip r:embed="rId4"/>
-                        <a:stretch>
-                          <a:fillRect/>
-                        </a:stretch>
-                      </p:blipFill>
-                      <p:spPr>
-                        <a:xfrm>
-                          <a:off x="4514850" y="2829236"/>
-                          <a:ext cx="114300" cy="165100"/>
-                        </a:xfrm>
-                        <a:prstGeom prst="rect">
-                          <a:avLst/>
-                        </a:prstGeom>
-                      </p:spPr>
-                    </p:pic>
-                  </p:oleObj>
-                </mc:Fallback>
-              </mc:AlternateContent>
-            </a:graphicData>
-          </a:graphic>
-        </p:graphicFrame>
-        <p:grpSp>
-          <p:nvGrpSpPr>
-            <p:cNvPr id="18" name="Group 17"/>
-            <p:cNvGrpSpPr/>
-            <p:nvPr/>
-          </p:nvGrpSpPr>
-          <p:grpSpPr>
-            <a:xfrm>
-              <a:off x="3136283" y="1409912"/>
-              <a:ext cx="2110546" cy="692776"/>
-              <a:chOff x="3134855" y="1246780"/>
-              <a:chExt cx="2110546" cy="692776"/>
-            </a:xfrm>
-          </p:grpSpPr>
-          <p:sp>
-            <p:nvSpPr>
-              <p:cNvPr id="19" name="Process 18"/>
-              <p:cNvSpPr/>
+          <p:grpSp>
+            <p:nvGrpSpPr>
+              <p:cNvPr id="15" name="Group 14"/>
+              <p:cNvGrpSpPr/>
               <p:nvPr/>
-            </p:nvSpPr>
+            </p:nvGrpSpPr>
+            <p:grpSpPr>
+              <a:xfrm>
+                <a:off x="5963187" y="3543703"/>
+                <a:ext cx="2014349" cy="692776"/>
+                <a:chOff x="3231052" y="895096"/>
+                <a:chExt cx="2014349" cy="692776"/>
+              </a:xfrm>
+            </p:grpSpPr>
+            <p:sp>
+              <p:nvSpPr>
+                <p:cNvPr id="16" name="Process 15"/>
+                <p:cNvSpPr/>
+                <p:nvPr/>
+              </p:nvSpPr>
+              <p:spPr>
+                <a:xfrm>
+                  <a:off x="3231052" y="895096"/>
+                  <a:ext cx="2014349" cy="692776"/>
+                </a:xfrm>
+                <a:prstGeom prst="flowChartProcess">
+                  <a:avLst/>
+                </a:prstGeom>
+                <a:noFill/>
+                <a:ln>
+                  <a:solidFill>
+                    <a:schemeClr val="tx1"/>
+                  </a:solidFill>
+                </a:ln>
+                <a:effectLst/>
+              </p:spPr>
+              <p:style>
+                <a:lnRef idx="1">
+                  <a:schemeClr val="accent1"/>
+                </a:lnRef>
+                <a:fillRef idx="3">
+                  <a:schemeClr val="accent1"/>
+                </a:fillRef>
+                <a:effectRef idx="2">
+                  <a:schemeClr val="accent1"/>
+                </a:effectRef>
+                <a:fontRef idx="minor">
+                  <a:schemeClr val="lt1"/>
+                </a:fontRef>
+              </p:style>
+              <p:txBody>
+                <a:bodyPr rtlCol="0" anchor="ctr"/>
+                <a:lstStyle/>
+                <a:p>
+                  <a:pPr algn="ctr"/>
+                  <a:endParaRPr lang="en-US"/>
+                </a:p>
+              </p:txBody>
+            </p:sp>
+            <p:sp>
+              <p:nvSpPr>
+                <p:cNvPr id="17" name="TextBox 16"/>
+                <p:cNvSpPr txBox="1"/>
+                <p:nvPr/>
+              </p:nvSpPr>
+              <p:spPr>
+                <a:xfrm>
+                  <a:off x="3525796" y="1065023"/>
+                  <a:ext cx="1276626" cy="338554"/>
+                </a:xfrm>
+                <a:prstGeom prst="rect">
+                  <a:avLst/>
+                </a:prstGeom>
+                <a:noFill/>
+              </p:spPr>
+              <p:txBody>
+                <a:bodyPr wrap="square" rtlCol="0">
+                  <a:spAutoFit/>
+                </a:bodyPr>
+                <a:lstStyle/>
+                <a:p>
+                  <a:r>
+                    <a:rPr lang="en-US" sz="1600" dirty="0" smtClean="0">
+                      <a:latin typeface="Times New Roman"/>
+                      <a:cs typeface="Times New Roman"/>
+                    </a:rPr>
+                    <a:t>Compensate </a:t>
+                  </a:r>
+                  <a:endParaRPr lang="en-US" sz="1600" dirty="0">
+                    <a:latin typeface="Times New Roman"/>
+                    <a:cs typeface="Times New Roman"/>
+                  </a:endParaRPr>
+                </a:p>
+              </p:txBody>
+            </p:sp>
+          </p:grpSp>
+          <p:grpSp>
+            <p:nvGrpSpPr>
+              <p:cNvPr id="48" name="Group 47"/>
+              <p:cNvGrpSpPr/>
+              <p:nvPr/>
+            </p:nvGrpSpPr>
+            <p:grpSpPr>
+              <a:xfrm>
+                <a:off x="3236445" y="4458105"/>
+                <a:ext cx="2018880" cy="692776"/>
+                <a:chOff x="3231052" y="641102"/>
+                <a:chExt cx="2018880" cy="692776"/>
+              </a:xfrm>
+            </p:grpSpPr>
+            <p:sp>
+              <p:nvSpPr>
+                <p:cNvPr id="50" name="Process 49"/>
+                <p:cNvSpPr/>
+                <p:nvPr/>
+              </p:nvSpPr>
+              <p:spPr>
+                <a:xfrm>
+                  <a:off x="3231052" y="641102"/>
+                  <a:ext cx="2014349" cy="692776"/>
+                </a:xfrm>
+                <a:prstGeom prst="flowChartProcess">
+                  <a:avLst/>
+                </a:prstGeom>
+                <a:noFill/>
+                <a:ln>
+                  <a:solidFill>
+                    <a:schemeClr val="tx1"/>
+                  </a:solidFill>
+                </a:ln>
+                <a:effectLst/>
+              </p:spPr>
+              <p:style>
+                <a:lnRef idx="1">
+                  <a:schemeClr val="accent1"/>
+                </a:lnRef>
+                <a:fillRef idx="3">
+                  <a:schemeClr val="accent1"/>
+                </a:fillRef>
+                <a:effectRef idx="2">
+                  <a:schemeClr val="accent1"/>
+                </a:effectRef>
+                <a:fontRef idx="minor">
+                  <a:schemeClr val="lt1"/>
+                </a:fontRef>
+              </p:style>
+              <p:txBody>
+                <a:bodyPr rtlCol="0" anchor="ctr"/>
+                <a:lstStyle/>
+                <a:p>
+                  <a:pPr algn="ctr"/>
+                  <a:endParaRPr lang="en-US"/>
+                </a:p>
+              </p:txBody>
+            </p:sp>
+            <p:sp>
+              <p:nvSpPr>
+                <p:cNvPr id="51" name="TextBox 50"/>
+                <p:cNvSpPr txBox="1"/>
+                <p:nvPr/>
+              </p:nvSpPr>
+              <p:spPr>
+                <a:xfrm>
+                  <a:off x="3343043" y="818266"/>
+                  <a:ext cx="1906889" cy="338554"/>
+                </a:xfrm>
+                <a:prstGeom prst="rect">
+                  <a:avLst/>
+                </a:prstGeom>
+                <a:noFill/>
+              </p:spPr>
+              <p:txBody>
+                <a:bodyPr wrap="square" rtlCol="0">
+                  <a:spAutoFit/>
+                </a:bodyPr>
+                <a:lstStyle/>
+                <a:p>
+                  <a:r>
+                    <a:rPr lang="en-US" sz="1600" dirty="0" smtClean="0">
+                      <a:latin typeface="Times New Roman"/>
+                      <a:cs typeface="Times New Roman"/>
+                    </a:rPr>
+                    <a:t>String classification</a:t>
+                  </a:r>
+                  <a:endParaRPr lang="en-US" sz="1600" dirty="0">
+                    <a:latin typeface="Times New Roman"/>
+                    <a:cs typeface="Times New Roman"/>
+                  </a:endParaRPr>
+                </a:p>
+              </p:txBody>
+            </p:sp>
+          </p:grpSp>
+          <p:cxnSp>
+            <p:nvCxnSpPr>
+              <p:cNvPr id="54" name="Straight Connector 53"/>
+              <p:cNvCxnSpPr>
+                <a:endCxn id="16" idx="2"/>
+              </p:cNvCxnSpPr>
+              <p:nvPr/>
+            </p:nvCxnSpPr>
             <p:spPr>
-              <a:xfrm>
-                <a:off x="3231052" y="1246780"/>
-                <a:ext cx="2014349" cy="692776"/>
+              <a:xfrm flipV="1">
+                <a:off x="6970362" y="4236479"/>
+                <a:ext cx="0" cy="568014"/>
               </a:xfrm>
-              <a:prstGeom prst="flowChartProcess">
+              <a:prstGeom prst="line">
                 <a:avLst/>
               </a:prstGeom>
-              <a:noFill/>
               <a:ln>
                 <a:solidFill>
                   <a:schemeClr val="tx1"/>
@@ -3466,810 +4471,1105 @@
               <a:effectLst/>
             </p:spPr>
             <p:style>
-              <a:lnRef idx="1">
+              <a:lnRef idx="2">
                 <a:schemeClr val="accent1"/>
               </a:lnRef>
-              <a:fillRef idx="3">
+              <a:fillRef idx="0">
                 <a:schemeClr val="accent1"/>
               </a:fillRef>
-              <a:effectRef idx="2">
+              <a:effectRef idx="1">
                 <a:schemeClr val="accent1"/>
               </a:effectRef>
               <a:fontRef idx="minor">
-                <a:schemeClr val="lt1"/>
+                <a:schemeClr val="tx1"/>
               </a:fontRef>
             </p:style>
-            <p:txBody>
-              <a:bodyPr rtlCol="0" anchor="ctr"/>
-              <a:lstStyle/>
-              <a:p>
-                <a:pPr algn="ctr"/>
-                <a:endParaRPr lang="en-US"/>
-              </a:p>
-            </p:txBody>
-          </p:sp>
-          <p:sp>
-            <p:nvSpPr>
-              <p:cNvPr id="20" name="TextBox 19"/>
-              <p:cNvSpPr txBox="1"/>
+          </p:cxnSp>
+          <p:cxnSp>
+            <p:nvCxnSpPr>
+              <p:cNvPr id="57" name="Straight Arrow Connector 56"/>
+              <p:cNvCxnSpPr>
+                <a:endCxn id="50" idx="3"/>
+              </p:cNvCxnSpPr>
               <p:nvPr/>
-            </p:nvSpPr>
+            </p:nvCxnSpPr>
+            <p:spPr>
+              <a:xfrm flipH="1">
+                <a:off x="5250794" y="4804493"/>
+                <a:ext cx="1711962" cy="0"/>
+              </a:xfrm>
+              <a:prstGeom prst="straightConnector1">
+                <a:avLst/>
+              </a:prstGeom>
+              <a:ln>
+                <a:solidFill>
+                  <a:schemeClr val="tx1"/>
+                </a:solidFill>
+                <a:tailEnd type="arrow"/>
+              </a:ln>
+              <a:effectLst/>
+            </p:spPr>
+            <p:style>
+              <a:lnRef idx="2">
+                <a:schemeClr val="accent1"/>
+              </a:lnRef>
+              <a:fillRef idx="0">
+                <a:schemeClr val="accent1"/>
+              </a:fillRef>
+              <a:effectRef idx="1">
+                <a:schemeClr val="accent1"/>
+              </a:effectRef>
+              <a:fontRef idx="minor">
+                <a:schemeClr val="tx1"/>
+              </a:fontRef>
+            </p:style>
+          </p:cxnSp>
+          <p:grpSp>
+            <p:nvGrpSpPr>
+              <p:cNvPr id="65" name="Group 64"/>
+              <p:cNvGrpSpPr/>
+              <p:nvPr/>
+            </p:nvGrpSpPr>
+            <p:grpSpPr>
+              <a:xfrm>
+                <a:off x="3231051" y="5498581"/>
+                <a:ext cx="2058984" cy="692776"/>
+                <a:chOff x="3231052" y="631852"/>
+                <a:chExt cx="2058984" cy="692776"/>
+              </a:xfrm>
+            </p:grpSpPr>
+            <p:sp>
+              <p:nvSpPr>
+                <p:cNvPr id="66" name="Process 65"/>
+                <p:cNvSpPr/>
+                <p:nvPr/>
+              </p:nvSpPr>
+              <p:spPr>
+                <a:xfrm>
+                  <a:off x="3231052" y="631852"/>
+                  <a:ext cx="2014349" cy="692776"/>
+                </a:xfrm>
+                <a:prstGeom prst="flowChartProcess">
+                  <a:avLst/>
+                </a:prstGeom>
+                <a:noFill/>
+                <a:ln>
+                  <a:solidFill>
+                    <a:schemeClr val="tx1"/>
+                  </a:solidFill>
+                </a:ln>
+                <a:effectLst/>
+              </p:spPr>
+              <p:style>
+                <a:lnRef idx="1">
+                  <a:schemeClr val="accent1"/>
+                </a:lnRef>
+                <a:fillRef idx="3">
+                  <a:schemeClr val="accent1"/>
+                </a:fillRef>
+                <a:effectRef idx="2">
+                  <a:schemeClr val="accent1"/>
+                </a:effectRef>
+                <a:fontRef idx="minor">
+                  <a:schemeClr val="lt1"/>
+                </a:fontRef>
+              </p:style>
+              <p:txBody>
+                <a:bodyPr rtlCol="0" anchor="ctr"/>
+                <a:lstStyle/>
+                <a:p>
+                  <a:pPr algn="ctr"/>
+                  <a:endParaRPr lang="en-US"/>
+                </a:p>
+              </p:txBody>
+            </p:sp>
+            <p:sp>
+              <p:nvSpPr>
+                <p:cNvPr id="67" name="TextBox 66"/>
+                <p:cNvSpPr txBox="1"/>
+                <p:nvPr/>
+              </p:nvSpPr>
+              <p:spPr>
+                <a:xfrm>
+                  <a:off x="3383147" y="711322"/>
+                  <a:ext cx="1906889" cy="523220"/>
+                </a:xfrm>
+                <a:prstGeom prst="rect">
+                  <a:avLst/>
+                </a:prstGeom>
+                <a:noFill/>
+              </p:spPr>
+              <p:txBody>
+                <a:bodyPr wrap="square" rtlCol="0">
+                  <a:spAutoFit/>
+                </a:bodyPr>
+                <a:lstStyle/>
+                <a:p>
+                  <a:r>
+                    <a:rPr lang="en-US" sz="1400" dirty="0" smtClean="0">
+                      <a:latin typeface="Times New Roman"/>
+                      <a:cs typeface="Times New Roman"/>
+                    </a:rPr>
+                    <a:t>Tablature conversion and refinement</a:t>
+                  </a:r>
+                  <a:endParaRPr lang="en-US" sz="1400" dirty="0">
+                    <a:latin typeface="Times New Roman"/>
+                    <a:cs typeface="Times New Roman"/>
+                  </a:endParaRPr>
+                </a:p>
+              </p:txBody>
+            </p:sp>
+          </p:grpSp>
+          <p:cxnSp>
+            <p:nvCxnSpPr>
+              <p:cNvPr id="68" name="Straight Arrow Connector 67"/>
+              <p:cNvCxnSpPr/>
+              <p:nvPr/>
+            </p:nvCxnSpPr>
             <p:spPr>
               <a:xfrm>
-                <a:off x="3134855" y="1270390"/>
-                <a:ext cx="2033590" cy="584776"/>
+                <a:off x="4243620" y="5141631"/>
+                <a:ext cx="0" cy="343749"/>
               </a:xfrm>
-              <a:prstGeom prst="rect">
+              <a:prstGeom prst="straightConnector1">
                 <a:avLst/>
               </a:prstGeom>
-              <a:noFill/>
+              <a:ln>
+                <a:solidFill>
+                  <a:schemeClr val="tx1"/>
+                </a:solidFill>
+                <a:tailEnd type="arrow"/>
+              </a:ln>
+              <a:effectLst/>
             </p:spPr>
-            <p:txBody>
-              <a:bodyPr wrap="square" rtlCol="0">
-                <a:spAutoFit/>
-              </a:bodyPr>
-              <a:lstStyle/>
-              <a:p>
-                <a:pPr algn="ctr"/>
-                <a:r>
-                  <a:rPr lang="en-US" sz="1600" dirty="0" smtClean="0">
-                    <a:latin typeface="Times New Roman"/>
-                    <a:cs typeface="Times New Roman"/>
-                  </a:rPr>
-                  <a:t>Learn log</a:t>
-                </a:r>
-                <a:r>
-                  <a:rPr lang="en-US" sz="1600" baseline="-25000" dirty="0" smtClean="0">
-                    <a:latin typeface="Times New Roman"/>
-                    <a:cs typeface="Times New Roman"/>
-                  </a:rPr>
-                  <a:t>2</a:t>
-                </a:r>
-                <a:r>
-                  <a:rPr lang="en-US" sz="1600" dirty="0" smtClean="0">
-                    <a:latin typeface="Times New Roman"/>
-                    <a:cs typeface="Times New Roman"/>
-                  </a:rPr>
-                  <a:t>β trajectories,</a:t>
-                </a:r>
-                <a:endParaRPr lang="en-US" sz="1600" dirty="0">
-                  <a:latin typeface="Times New Roman"/>
-                  <a:cs typeface="Times New Roman"/>
-                </a:endParaRPr>
-              </a:p>
-            </p:txBody>
-          </p:sp>
+            <p:style>
+              <a:lnRef idx="2">
+                <a:schemeClr val="accent1"/>
+              </a:lnRef>
+              <a:fillRef idx="0">
+                <a:schemeClr val="accent1"/>
+              </a:fillRef>
+              <a:effectRef idx="1">
+                <a:schemeClr val="accent1"/>
+              </a:effectRef>
+              <a:fontRef idx="minor">
+                <a:schemeClr val="tx1"/>
+              </a:fontRef>
+            </p:style>
+          </p:cxnSp>
         </p:grpSp>
-        <p:cxnSp>
-          <p:nvCxnSpPr>
-            <p:cNvPr id="32" name="Straight Arrow Connector 31"/>
-            <p:cNvCxnSpPr/>
+        <p:pic>
+          <p:nvPicPr>
+            <p:cNvPr id="79" name="Picture 78" descr="w.png"/>
+            <p:cNvPicPr>
+              <a:picLocks noChangeAspect="1"/>
+            </p:cNvPicPr>
             <p:nvPr/>
-          </p:nvCxnSpPr>
+          </p:nvPicPr>
+          <p:blipFill>
+            <a:blip r:embed="rId5">
+              <a:extLst>
+                <a:ext uri="{28A0092B-C50C-407E-A947-70E740481C1C}">
+                  <a14:useLocalDpi xmlns:a14="http://schemas.microsoft.com/office/drawing/2010/main" val="0"/>
+                </a:ext>
+              </a:extLst>
+            </a:blip>
+            <a:stretch>
+              <a:fillRect/>
+            </a:stretch>
+          </p:blipFill>
           <p:spPr>
             <a:xfrm>
-              <a:off x="4243620" y="1070264"/>
-              <a:ext cx="0" cy="343749"/>
-            </a:xfrm>
-            <a:prstGeom prst="straightConnector1">
-              <a:avLst/>
-            </a:prstGeom>
-            <a:ln>
-              <a:solidFill>
-                <a:schemeClr val="tx1"/>
-              </a:solidFill>
-              <a:tailEnd type="arrow"/>
-            </a:ln>
-            <a:effectLst/>
-          </p:spPr>
-          <p:style>
-            <a:lnRef idx="2">
-              <a:schemeClr val="accent1"/>
-            </a:lnRef>
-            <a:fillRef idx="0">
-              <a:schemeClr val="accent1"/>
-            </a:fillRef>
-            <a:effectRef idx="1">
-              <a:schemeClr val="accent1"/>
-            </a:effectRef>
-            <a:fontRef idx="minor">
-              <a:schemeClr val="tx1"/>
-            </a:fontRef>
-          </p:style>
-        </p:cxnSp>
-        <p:cxnSp>
-          <p:nvCxnSpPr>
-            <p:cNvPr id="35" name="Straight Arrow Connector 34"/>
-            <p:cNvCxnSpPr/>
-            <p:nvPr/>
-          </p:nvCxnSpPr>
-          <p:spPr>
-            <a:xfrm>
-              <a:off x="4243620" y="2102688"/>
-              <a:ext cx="0" cy="343749"/>
-            </a:xfrm>
-            <a:prstGeom prst="straightConnector1">
-              <a:avLst/>
-            </a:prstGeom>
-            <a:ln>
-              <a:solidFill>
-                <a:schemeClr val="tx1"/>
-              </a:solidFill>
-              <a:tailEnd type="arrow"/>
-            </a:ln>
-            <a:effectLst/>
-          </p:spPr>
-          <p:style>
-            <a:lnRef idx="2">
-              <a:schemeClr val="accent1"/>
-            </a:lnRef>
-            <a:fillRef idx="0">
-              <a:schemeClr val="accent1"/>
-            </a:fillRef>
-            <a:effectRef idx="1">
-              <a:schemeClr val="accent1"/>
-            </a:effectRef>
-            <a:fontRef idx="minor">
-              <a:schemeClr val="tx1"/>
-            </a:fontRef>
-          </p:style>
-        </p:cxnSp>
-        <p:cxnSp>
-          <p:nvCxnSpPr>
-            <p:cNvPr id="36" name="Straight Arrow Connector 35"/>
-            <p:cNvCxnSpPr>
-              <a:stCxn id="24" idx="2"/>
-              <a:endCxn id="50" idx="0"/>
-            </p:cNvCxnSpPr>
-            <p:nvPr/>
-          </p:nvCxnSpPr>
-          <p:spPr>
-            <a:xfrm>
-              <a:off x="4238205" y="3713297"/>
-              <a:ext cx="5415" cy="744808"/>
-            </a:xfrm>
-            <a:prstGeom prst="straightConnector1">
-              <a:avLst/>
-            </a:prstGeom>
-            <a:ln>
-              <a:solidFill>
-                <a:schemeClr val="tx1"/>
-              </a:solidFill>
-              <a:tailEnd type="arrow"/>
-            </a:ln>
-            <a:effectLst/>
-          </p:spPr>
-          <p:style>
-            <a:lnRef idx="2">
-              <a:schemeClr val="accent1"/>
-            </a:lnRef>
-            <a:fillRef idx="0">
-              <a:schemeClr val="accent1"/>
-            </a:fillRef>
-            <a:effectRef idx="1">
-              <a:schemeClr val="accent1"/>
-            </a:effectRef>
-            <a:fontRef idx="minor">
-              <a:schemeClr val="tx1"/>
-            </a:fontRef>
-          </p:style>
-        </p:cxnSp>
-        <p:cxnSp>
-          <p:nvCxnSpPr>
-            <p:cNvPr id="37" name="Straight Arrow Connector 36"/>
-            <p:cNvCxnSpPr>
-              <a:endCxn id="16" idx="0"/>
-            </p:cNvCxnSpPr>
-            <p:nvPr/>
-          </p:nvCxnSpPr>
-          <p:spPr>
-            <a:xfrm>
-              <a:off x="6970362" y="3073706"/>
-              <a:ext cx="0" cy="469997"/>
-            </a:xfrm>
-            <a:prstGeom prst="straightConnector1">
-              <a:avLst/>
-            </a:prstGeom>
-            <a:ln>
-              <a:solidFill>
-                <a:schemeClr val="tx1"/>
-              </a:solidFill>
-              <a:tailEnd type="arrow"/>
-            </a:ln>
-            <a:effectLst/>
-          </p:spPr>
-          <p:style>
-            <a:lnRef idx="2">
-              <a:schemeClr val="accent1"/>
-            </a:lnRef>
-            <a:fillRef idx="0">
-              <a:schemeClr val="accent1"/>
-            </a:fillRef>
-            <a:effectRef idx="1">
-              <a:schemeClr val="accent1"/>
-            </a:effectRef>
-            <a:fontRef idx="minor">
-              <a:schemeClr val="tx1"/>
-            </a:fontRef>
-          </p:style>
-        </p:cxnSp>
-        <p:cxnSp>
-          <p:nvCxnSpPr>
-            <p:cNvPr id="40" name="Straight Connector 39"/>
-            <p:cNvCxnSpPr>
-              <a:stCxn id="24" idx="3"/>
-            </p:cNvCxnSpPr>
-            <p:nvPr/>
-          </p:nvCxnSpPr>
-          <p:spPr>
-            <a:xfrm>
-              <a:off x="5504952" y="3073706"/>
-              <a:ext cx="1457804" cy="14399"/>
-            </a:xfrm>
-            <a:prstGeom prst="line">
-              <a:avLst/>
-            </a:prstGeom>
-            <a:ln>
-              <a:solidFill>
-                <a:schemeClr val="tx1"/>
-              </a:solidFill>
-            </a:ln>
-            <a:effectLst/>
-          </p:spPr>
-          <p:style>
-            <a:lnRef idx="2">
-              <a:schemeClr val="accent1"/>
-            </a:lnRef>
-            <a:fillRef idx="0">
-              <a:schemeClr val="accent1"/>
-            </a:fillRef>
-            <a:effectRef idx="1">
-              <a:schemeClr val="accent1"/>
-            </a:effectRef>
-            <a:fontRef idx="minor">
-              <a:schemeClr val="tx1"/>
-            </a:fontRef>
-          </p:style>
-        </p:cxnSp>
-        <p:sp>
-          <p:nvSpPr>
-            <p:cNvPr id="43" name="TextBox 42"/>
-            <p:cNvSpPr txBox="1"/>
-            <p:nvPr/>
-          </p:nvSpPr>
-          <p:spPr>
-            <a:xfrm>
-              <a:off x="5415742" y="2717552"/>
-              <a:ext cx="483225" cy="338554"/>
+              <a:off x="7054433" y="3334109"/>
+              <a:ext cx="256032" cy="268224"/>
             </a:xfrm>
             <a:prstGeom prst="rect">
               <a:avLst/>
             </a:prstGeom>
-            <a:noFill/>
           </p:spPr>
-          <p:txBody>
-            <a:bodyPr wrap="none" rtlCol="0">
-              <a:spAutoFit/>
-            </a:bodyPr>
-            <a:lstStyle/>
-            <a:p>
-              <a:r>
-                <a:rPr lang="en-US" sz="1600" dirty="0" smtClean="0">
-                  <a:latin typeface="Times New Roman"/>
-                  <a:cs typeface="Times New Roman"/>
-                </a:rPr>
-                <a:t>Yes</a:t>
-              </a:r>
-              <a:endParaRPr lang="en-US" dirty="0">
-                <a:latin typeface="Times New Roman"/>
-                <a:cs typeface="Times New Roman"/>
-              </a:endParaRPr>
-            </a:p>
-          </p:txBody>
-        </p:sp>
-        <p:sp>
-          <p:nvSpPr>
-            <p:cNvPr id="44" name="TextBox 43"/>
-            <p:cNvSpPr txBox="1"/>
+        </p:pic>
+        <p:pic>
+          <p:nvPicPr>
+            <p:cNvPr id="80" name="Picture 79" descr="w.png"/>
+            <p:cNvPicPr>
+              <a:picLocks noChangeAspect="1"/>
+            </p:cNvPicPr>
             <p:nvPr/>
-          </p:nvSpPr>
+          </p:nvPicPr>
+          <p:blipFill>
+            <a:blip r:embed="rId5">
+              <a:extLst>
+                <a:ext uri="{28A0092B-C50C-407E-A947-70E740481C1C}">
+                  <a14:useLocalDpi xmlns:a14="http://schemas.microsoft.com/office/drawing/2010/main" val="0"/>
+                </a:ext>
+              </a:extLst>
+            </a:blip>
+            <a:stretch>
+              <a:fillRect/>
+            </a:stretch>
+          </p:blipFill>
           <p:spPr>
             <a:xfrm>
-              <a:off x="4262216" y="3622207"/>
-              <a:ext cx="435436" cy="338554"/>
+              <a:off x="4304330" y="1299736"/>
+              <a:ext cx="256032" cy="268224"/>
             </a:xfrm>
             <a:prstGeom prst="rect">
               <a:avLst/>
             </a:prstGeom>
-            <a:noFill/>
           </p:spPr>
-          <p:txBody>
-            <a:bodyPr wrap="none" rtlCol="0">
-              <a:spAutoFit/>
-            </a:bodyPr>
-            <a:lstStyle/>
-            <a:p>
-              <a:r>
-                <a:rPr lang="en-US" sz="1600" dirty="0" smtClean="0">
-                  <a:latin typeface="Times New Roman"/>
-                  <a:cs typeface="Times New Roman"/>
-                </a:rPr>
-                <a:t>No</a:t>
-              </a:r>
-              <a:endParaRPr lang="en-US" sz="1600" dirty="0">
-                <a:latin typeface="Times New Roman"/>
-                <a:cs typeface="Times New Roman"/>
-              </a:endParaRPr>
-            </a:p>
-          </p:txBody>
-        </p:sp>
-        <p:grpSp>
-          <p:nvGrpSpPr>
-            <p:cNvPr id="15" name="Group 14"/>
-            <p:cNvGrpSpPr/>
-            <p:nvPr/>
-          </p:nvGrpSpPr>
-          <p:grpSpPr>
-            <a:xfrm>
-              <a:off x="5963187" y="3543703"/>
-              <a:ext cx="2014349" cy="692776"/>
-              <a:chOff x="3231052" y="895096"/>
-              <a:chExt cx="2014349" cy="692776"/>
-            </a:xfrm>
-          </p:grpSpPr>
-          <p:sp>
-            <p:nvSpPr>
-              <p:cNvPr id="16" name="Process 15"/>
-              <p:cNvSpPr/>
-              <p:nvPr/>
-            </p:nvSpPr>
-            <p:spPr>
-              <a:xfrm>
-                <a:off x="3231052" y="895096"/>
-                <a:ext cx="2014349" cy="692776"/>
-              </a:xfrm>
-              <a:prstGeom prst="flowChartProcess">
-                <a:avLst/>
-              </a:prstGeom>
-              <a:noFill/>
-              <a:ln>
-                <a:solidFill>
-                  <a:schemeClr val="tx1"/>
-                </a:solidFill>
-              </a:ln>
-              <a:effectLst/>
-            </p:spPr>
-            <p:style>
-              <a:lnRef idx="1">
-                <a:schemeClr val="accent1"/>
-              </a:lnRef>
-              <a:fillRef idx="3">
-                <a:schemeClr val="accent1"/>
-              </a:fillRef>
-              <a:effectRef idx="2">
-                <a:schemeClr val="accent1"/>
-              </a:effectRef>
-              <a:fontRef idx="minor">
-                <a:schemeClr val="lt1"/>
-              </a:fontRef>
-            </p:style>
-            <p:txBody>
-              <a:bodyPr rtlCol="0" anchor="ctr"/>
-              <a:lstStyle/>
-              <a:p>
-                <a:pPr algn="ctr"/>
-                <a:endParaRPr lang="en-US"/>
-              </a:p>
-            </p:txBody>
-          </p:sp>
-          <p:sp>
-            <p:nvSpPr>
-              <p:cNvPr id="17" name="TextBox 16"/>
-              <p:cNvSpPr txBox="1"/>
-              <p:nvPr/>
-            </p:nvSpPr>
-            <p:spPr>
-              <a:xfrm>
-                <a:off x="3525796" y="1065023"/>
-                <a:ext cx="1276626" cy="338554"/>
-              </a:xfrm>
-              <a:prstGeom prst="rect">
-                <a:avLst/>
-              </a:prstGeom>
-              <a:noFill/>
-            </p:spPr>
-            <p:txBody>
-              <a:bodyPr wrap="square" rtlCol="0">
-                <a:spAutoFit/>
-              </a:bodyPr>
-              <a:lstStyle/>
-              <a:p>
-                <a:r>
-                  <a:rPr lang="en-US" sz="1600" dirty="0" smtClean="0">
-                    <a:latin typeface="Times New Roman"/>
-                    <a:cs typeface="Times New Roman"/>
-                  </a:rPr>
-                  <a:t>Compensate </a:t>
-                </a:r>
-                <a:endParaRPr lang="en-US" sz="1600" dirty="0">
-                  <a:latin typeface="Times New Roman"/>
-                  <a:cs typeface="Times New Roman"/>
-                </a:endParaRPr>
-              </a:p>
-            </p:txBody>
-          </p:sp>
-        </p:grpSp>
-        <p:grpSp>
-          <p:nvGrpSpPr>
-            <p:cNvPr id="48" name="Group 47"/>
-            <p:cNvGrpSpPr/>
-            <p:nvPr/>
-          </p:nvGrpSpPr>
-          <p:grpSpPr>
-            <a:xfrm>
-              <a:off x="3236445" y="4458105"/>
-              <a:ext cx="2018880" cy="692776"/>
-              <a:chOff x="3231052" y="641102"/>
-              <a:chExt cx="2018880" cy="692776"/>
-            </a:xfrm>
-          </p:grpSpPr>
-          <p:sp>
-            <p:nvSpPr>
-              <p:cNvPr id="50" name="Process 49"/>
-              <p:cNvSpPr/>
-              <p:nvPr/>
-            </p:nvSpPr>
-            <p:spPr>
-              <a:xfrm>
-                <a:off x="3231052" y="641102"/>
-                <a:ext cx="2014349" cy="692776"/>
-              </a:xfrm>
-              <a:prstGeom prst="flowChartProcess">
-                <a:avLst/>
-              </a:prstGeom>
-              <a:noFill/>
-              <a:ln>
-                <a:solidFill>
-                  <a:schemeClr val="tx1"/>
-                </a:solidFill>
-              </a:ln>
-              <a:effectLst/>
-            </p:spPr>
-            <p:style>
-              <a:lnRef idx="1">
-                <a:schemeClr val="accent1"/>
-              </a:lnRef>
-              <a:fillRef idx="3">
-                <a:schemeClr val="accent1"/>
-              </a:fillRef>
-              <a:effectRef idx="2">
-                <a:schemeClr val="accent1"/>
-              </a:effectRef>
-              <a:fontRef idx="minor">
-                <a:schemeClr val="lt1"/>
-              </a:fontRef>
-            </p:style>
-            <p:txBody>
-              <a:bodyPr rtlCol="0" anchor="ctr"/>
-              <a:lstStyle/>
-              <a:p>
-                <a:pPr algn="ctr"/>
-                <a:endParaRPr lang="en-US"/>
-              </a:p>
-            </p:txBody>
-          </p:sp>
-          <p:sp>
-            <p:nvSpPr>
-              <p:cNvPr id="51" name="TextBox 50"/>
-              <p:cNvSpPr txBox="1"/>
-              <p:nvPr/>
-            </p:nvSpPr>
-            <p:spPr>
-              <a:xfrm>
-                <a:off x="3343043" y="818266"/>
-                <a:ext cx="1906889" cy="338554"/>
-              </a:xfrm>
-              <a:prstGeom prst="rect">
-                <a:avLst/>
-              </a:prstGeom>
-              <a:noFill/>
-            </p:spPr>
-            <p:txBody>
-              <a:bodyPr wrap="square" rtlCol="0">
-                <a:spAutoFit/>
-              </a:bodyPr>
-              <a:lstStyle/>
-              <a:p>
-                <a:r>
-                  <a:rPr lang="en-US" sz="1600" dirty="0" smtClean="0">
-                    <a:latin typeface="Times New Roman"/>
-                    <a:cs typeface="Times New Roman"/>
-                  </a:rPr>
-                  <a:t>String classification</a:t>
-                </a:r>
-                <a:endParaRPr lang="en-US" sz="1600" dirty="0">
-                  <a:latin typeface="Times New Roman"/>
-                  <a:cs typeface="Times New Roman"/>
-                </a:endParaRPr>
-              </a:p>
-            </p:txBody>
-          </p:sp>
-        </p:grpSp>
-        <p:cxnSp>
-          <p:nvCxnSpPr>
-            <p:cNvPr id="54" name="Straight Connector 53"/>
-            <p:cNvCxnSpPr>
-              <a:endCxn id="16" idx="2"/>
-            </p:cNvCxnSpPr>
-            <p:nvPr/>
-          </p:nvCxnSpPr>
-          <p:spPr>
-            <a:xfrm flipV="1">
-              <a:off x="6970362" y="4236479"/>
-              <a:ext cx="0" cy="568014"/>
-            </a:xfrm>
-            <a:prstGeom prst="line">
-              <a:avLst/>
-            </a:prstGeom>
-            <a:ln>
-              <a:solidFill>
-                <a:schemeClr val="tx1"/>
-              </a:solidFill>
-            </a:ln>
-            <a:effectLst/>
-          </p:spPr>
-          <p:style>
-            <a:lnRef idx="2">
-              <a:schemeClr val="accent1"/>
-            </a:lnRef>
-            <a:fillRef idx="0">
-              <a:schemeClr val="accent1"/>
-            </a:fillRef>
-            <a:effectRef idx="1">
-              <a:schemeClr val="accent1"/>
-            </a:effectRef>
-            <a:fontRef idx="minor">
-              <a:schemeClr val="tx1"/>
-            </a:fontRef>
-          </p:style>
-        </p:cxnSp>
-        <p:cxnSp>
-          <p:nvCxnSpPr>
-            <p:cNvPr id="57" name="Straight Arrow Connector 56"/>
-            <p:cNvCxnSpPr>
-              <a:endCxn id="50" idx="3"/>
-            </p:cNvCxnSpPr>
-            <p:nvPr/>
-          </p:nvCxnSpPr>
-          <p:spPr>
-            <a:xfrm flipH="1">
-              <a:off x="5250794" y="4804493"/>
-              <a:ext cx="1711962" cy="0"/>
-            </a:xfrm>
-            <a:prstGeom prst="straightConnector1">
-              <a:avLst/>
-            </a:prstGeom>
-            <a:ln>
-              <a:solidFill>
-                <a:schemeClr val="tx1"/>
-              </a:solidFill>
-              <a:tailEnd type="arrow"/>
-            </a:ln>
-            <a:effectLst/>
-          </p:spPr>
-          <p:style>
-            <a:lnRef idx="2">
-              <a:schemeClr val="accent1"/>
-            </a:lnRef>
-            <a:fillRef idx="0">
-              <a:schemeClr val="accent1"/>
-            </a:fillRef>
-            <a:effectRef idx="1">
-              <a:schemeClr val="accent1"/>
-            </a:effectRef>
-            <a:fontRef idx="minor">
-              <a:schemeClr val="tx1"/>
-            </a:fontRef>
-          </p:style>
-        </p:cxnSp>
-        <p:grpSp>
-          <p:nvGrpSpPr>
-            <p:cNvPr id="65" name="Group 64"/>
-            <p:cNvGrpSpPr/>
-            <p:nvPr/>
-          </p:nvGrpSpPr>
-          <p:grpSpPr>
-            <a:xfrm>
-              <a:off x="3231051" y="5498581"/>
-              <a:ext cx="2058984" cy="692776"/>
-              <a:chOff x="3231052" y="631852"/>
-              <a:chExt cx="2058984" cy="692776"/>
-            </a:xfrm>
-          </p:grpSpPr>
-          <p:sp>
-            <p:nvSpPr>
-              <p:cNvPr id="66" name="Process 65"/>
-              <p:cNvSpPr/>
-              <p:nvPr/>
-            </p:nvSpPr>
-            <p:spPr>
-              <a:xfrm>
-                <a:off x="3231052" y="631852"/>
-                <a:ext cx="2014349" cy="692776"/>
-              </a:xfrm>
-              <a:prstGeom prst="flowChartProcess">
-                <a:avLst/>
-              </a:prstGeom>
-              <a:noFill/>
-              <a:ln>
-                <a:solidFill>
-                  <a:schemeClr val="tx1"/>
-                </a:solidFill>
-              </a:ln>
-              <a:effectLst/>
-            </p:spPr>
-            <p:style>
-              <a:lnRef idx="1">
-                <a:schemeClr val="accent1"/>
-              </a:lnRef>
-              <a:fillRef idx="3">
-                <a:schemeClr val="accent1"/>
-              </a:fillRef>
-              <a:effectRef idx="2">
-                <a:schemeClr val="accent1"/>
-              </a:effectRef>
-              <a:fontRef idx="minor">
-                <a:schemeClr val="lt1"/>
-              </a:fontRef>
-            </p:style>
-            <p:txBody>
-              <a:bodyPr rtlCol="0" anchor="ctr"/>
-              <a:lstStyle/>
-              <a:p>
-                <a:pPr algn="ctr"/>
-                <a:endParaRPr lang="en-US"/>
-              </a:p>
-            </p:txBody>
-          </p:sp>
-          <p:sp>
-            <p:nvSpPr>
-              <p:cNvPr id="67" name="TextBox 66"/>
-              <p:cNvSpPr txBox="1"/>
-              <p:nvPr/>
-            </p:nvSpPr>
-            <p:spPr>
-              <a:xfrm>
-                <a:off x="3383147" y="711322"/>
-                <a:ext cx="1906889" cy="523220"/>
-              </a:xfrm>
-              <a:prstGeom prst="rect">
-                <a:avLst/>
-              </a:prstGeom>
-              <a:noFill/>
-            </p:spPr>
-            <p:txBody>
-              <a:bodyPr wrap="square" rtlCol="0">
-                <a:spAutoFit/>
-              </a:bodyPr>
-              <a:lstStyle/>
-              <a:p>
-                <a:r>
-                  <a:rPr lang="en-US" sz="1400" dirty="0" smtClean="0">
-                    <a:latin typeface="Times New Roman"/>
-                    <a:cs typeface="Times New Roman"/>
-                  </a:rPr>
-                  <a:t>Tablature conversion and refinement</a:t>
-                </a:r>
-                <a:endParaRPr lang="en-US" sz="1400" dirty="0">
-                  <a:latin typeface="Times New Roman"/>
-                  <a:cs typeface="Times New Roman"/>
-                </a:endParaRPr>
-              </a:p>
-            </p:txBody>
-          </p:sp>
-        </p:grpSp>
-        <p:cxnSp>
-          <p:nvCxnSpPr>
-            <p:cNvPr id="68" name="Straight Arrow Connector 67"/>
-            <p:cNvCxnSpPr/>
-            <p:nvPr/>
-          </p:nvCxnSpPr>
-          <p:spPr>
-            <a:xfrm>
-              <a:off x="4243620" y="5141631"/>
-              <a:ext cx="0" cy="343749"/>
-            </a:xfrm>
-            <a:prstGeom prst="straightConnector1">
-              <a:avLst/>
-            </a:prstGeom>
-            <a:ln>
-              <a:solidFill>
-                <a:schemeClr val="tx1"/>
-              </a:solidFill>
-              <a:tailEnd type="arrow"/>
-            </a:ln>
-            <a:effectLst/>
-          </p:spPr>
-          <p:style>
-            <a:lnRef idx="2">
-              <a:schemeClr val="accent1"/>
-            </a:lnRef>
-            <a:fillRef idx="0">
-              <a:schemeClr val="accent1"/>
-            </a:fillRef>
-            <a:effectRef idx="1">
-              <a:schemeClr val="accent1"/>
-            </a:effectRef>
-            <a:fontRef idx="minor">
-              <a:schemeClr val="tx1"/>
-            </a:fontRef>
-          </p:style>
-        </p:cxnSp>
+        </p:pic>
       </p:grpSp>
-      <p:pic>
-        <p:nvPicPr>
-          <p:cNvPr id="79" name="Picture 78" descr="w.png"/>
-          <p:cNvPicPr>
-            <a:picLocks noChangeAspect="1"/>
-          </p:cNvPicPr>
+    </p:spTree>
+    <p:extLst>
+      <p:ext uri="{BB962C8B-B14F-4D97-AF65-F5344CB8AC3E}">
+        <p14:creationId xmlns:p14="http://schemas.microsoft.com/office/powerpoint/2010/main" val="4017096460"/>
+      </p:ext>
+    </p:extLst>
+  </p:cSld>
+  <p:clrMapOvr>
+    <a:masterClrMapping/>
+  </p:clrMapOvr>
+</p:sld>
+</file>
+
+<file path=ppt/slides/slide3.xml><?xml version="1.0" encoding="utf-8"?>
+<p:sld xmlns:a="http://schemas.openxmlformats.org/drawingml/2006/main" xmlns:r="http://schemas.openxmlformats.org/officeDocument/2006/relationships" xmlns:p="http://schemas.openxmlformats.org/presentationml/2006/main">
+  <p:cSld>
+    <p:spTree>
+      <p:nvGrpSpPr>
+        <p:cNvPr id="1" name=""/>
+        <p:cNvGrpSpPr/>
+        <p:nvPr/>
+      </p:nvGrpSpPr>
+      <p:grpSpPr>
+        <a:xfrm>
+          <a:off x="0" y="0"/>
+          <a:ext cx="0" cy="0"/>
+          <a:chOff x="0" y="0"/>
+          <a:chExt cx="0" cy="0"/>
+        </a:xfrm>
+      </p:grpSpPr>
+      <p:sp>
+        <p:nvSpPr>
+          <p:cNvPr id="2" name="Title 1"/>
+          <p:cNvSpPr>
+            <a:spLocks noGrp="1"/>
+          </p:cNvSpPr>
+          <p:nvPr>
+            <p:ph type="title"/>
+          </p:nvPr>
+        </p:nvSpPr>
+        <p:spPr/>
+        <p:txBody>
+          <a:bodyPr/>
+          <a:lstStyle/>
+          <a:p>
+            <a:endParaRPr lang="en-US"/>
+          </a:p>
+        </p:txBody>
+      </p:sp>
+      <p:sp>
+        <p:nvSpPr>
+          <p:cNvPr id="4" name="Rectangle 3"/>
+          <p:cNvSpPr/>
           <p:nvPr/>
-        </p:nvPicPr>
-        <p:blipFill>
-          <a:blip r:embed="rId5">
-            <a:extLst>
-              <a:ext uri="{28A0092B-C50C-407E-A947-70E740481C1C}">
-                <a14:useLocalDpi xmlns:a14="http://schemas.microsoft.com/office/drawing/2010/main" val="0"/>
-              </a:ext>
-            </a:extLst>
-          </a:blip>
-          <a:stretch>
-            <a:fillRect/>
-          </a:stretch>
-        </p:blipFill>
+        </p:nvSpPr>
         <p:spPr>
           <a:xfrm>
-            <a:off x="7054433" y="3334109"/>
-            <a:ext cx="256032" cy="268224"/>
+            <a:off x="989263" y="2987040"/>
+            <a:ext cx="7285790" cy="1177224"/>
           </a:xfrm>
           <a:prstGeom prst="rect">
             <a:avLst/>
           </a:prstGeom>
+          <a:noFill/>
+          <a:ln>
+            <a:solidFill>
+              <a:schemeClr val="tx1"/>
+            </a:solidFill>
+          </a:ln>
+          <a:effectLst/>
         </p:spPr>
-      </p:pic>
-      <p:pic>
-        <p:nvPicPr>
-          <p:cNvPr id="80" name="Picture 79" descr="w.png"/>
-          <p:cNvPicPr>
-            <a:picLocks noChangeAspect="1"/>
-          </p:cNvPicPr>
+        <p:style>
+          <a:lnRef idx="1">
+            <a:schemeClr val="accent1"/>
+          </a:lnRef>
+          <a:fillRef idx="3">
+            <a:schemeClr val="accent1"/>
+          </a:fillRef>
+          <a:effectRef idx="2">
+            <a:schemeClr val="accent1"/>
+          </a:effectRef>
+          <a:fontRef idx="minor">
+            <a:schemeClr val="lt1"/>
+          </a:fontRef>
+        </p:style>
+        <p:txBody>
+          <a:bodyPr rtlCol="0" anchor="ctr"/>
+          <a:lstStyle/>
+          <a:p>
+            <a:pPr algn="ctr"/>
+            <a:endParaRPr lang="en-US"/>
+          </a:p>
+        </p:txBody>
+      </p:sp>
+      <p:cxnSp>
+        <p:nvCxnSpPr>
+          <p:cNvPr id="5" name="Straight Connector 4"/>
+          <p:cNvCxnSpPr>
+            <a:stCxn id="4" idx="2"/>
+            <a:endCxn id="4" idx="0"/>
+          </p:cNvCxnSpPr>
           <p:nvPr/>
-        </p:nvPicPr>
-        <p:blipFill>
-          <a:blip r:embed="rId5">
-            <a:extLst>
-              <a:ext uri="{28A0092B-C50C-407E-A947-70E740481C1C}">
-                <a14:useLocalDpi xmlns:a14="http://schemas.microsoft.com/office/drawing/2010/main" val="0"/>
-              </a:ext>
-            </a:extLst>
-          </a:blip>
-          <a:stretch>
-            <a:fillRect/>
-          </a:stretch>
-        </p:blipFill>
+        </p:nvCxnSpPr>
+        <p:spPr>
+          <a:xfrm flipV="1">
+            <a:off x="4632158" y="2987040"/>
+            <a:ext cx="0" cy="1177224"/>
+          </a:xfrm>
+          <a:prstGeom prst="line">
+            <a:avLst/>
+          </a:prstGeom>
+          <a:ln w="12700">
+            <a:solidFill>
+              <a:schemeClr val="tx1"/>
+            </a:solidFill>
+          </a:ln>
+          <a:effectLst/>
+        </p:spPr>
+        <p:style>
+          <a:lnRef idx="2">
+            <a:schemeClr val="accent1"/>
+          </a:lnRef>
+          <a:fillRef idx="0">
+            <a:schemeClr val="accent1"/>
+          </a:fillRef>
+          <a:effectRef idx="1">
+            <a:schemeClr val="accent1"/>
+          </a:effectRef>
+          <a:fontRef idx="minor">
+            <a:schemeClr val="tx1"/>
+          </a:fontRef>
+        </p:style>
+      </p:cxnSp>
+      <p:cxnSp>
+        <p:nvCxnSpPr>
+          <p:cNvPr id="9" name="Straight Connector 8"/>
+          <p:cNvCxnSpPr/>
+          <p:nvPr/>
+        </p:nvCxnSpPr>
+        <p:spPr>
+          <a:xfrm flipH="1" flipV="1">
+            <a:off x="2105075" y="2987040"/>
+            <a:ext cx="5800" cy="1177224"/>
+          </a:xfrm>
+          <a:prstGeom prst="line">
+            <a:avLst/>
+          </a:prstGeom>
+          <a:ln w="12700">
+            <a:solidFill>
+              <a:schemeClr val="tx1"/>
+            </a:solidFill>
+          </a:ln>
+          <a:effectLst/>
+        </p:spPr>
+        <p:style>
+          <a:lnRef idx="2">
+            <a:schemeClr val="accent1"/>
+          </a:lnRef>
+          <a:fillRef idx="0">
+            <a:schemeClr val="accent1"/>
+          </a:fillRef>
+          <a:effectRef idx="1">
+            <a:schemeClr val="accent1"/>
+          </a:effectRef>
+          <a:fontRef idx="minor">
+            <a:schemeClr val="tx1"/>
+          </a:fontRef>
+        </p:style>
+      </p:cxnSp>
+      <p:cxnSp>
+        <p:nvCxnSpPr>
+          <p:cNvPr id="10" name="Straight Connector 9"/>
+          <p:cNvCxnSpPr/>
+          <p:nvPr/>
+        </p:nvCxnSpPr>
+        <p:spPr>
+          <a:xfrm flipH="1" flipV="1">
+            <a:off x="3394242" y="2987040"/>
+            <a:ext cx="5800" cy="1177224"/>
+          </a:xfrm>
+          <a:prstGeom prst="line">
+            <a:avLst/>
+          </a:prstGeom>
+          <a:ln w="12700">
+            <a:solidFill>
+              <a:schemeClr val="tx1"/>
+            </a:solidFill>
+          </a:ln>
+          <a:effectLst/>
+        </p:spPr>
+        <p:style>
+          <a:lnRef idx="2">
+            <a:schemeClr val="accent1"/>
+          </a:lnRef>
+          <a:fillRef idx="0">
+            <a:schemeClr val="accent1"/>
+          </a:fillRef>
+          <a:effectRef idx="1">
+            <a:schemeClr val="accent1"/>
+          </a:effectRef>
+          <a:fontRef idx="minor">
+            <a:schemeClr val="tx1"/>
+          </a:fontRef>
+        </p:style>
+      </p:cxnSp>
+      <p:cxnSp>
+        <p:nvCxnSpPr>
+          <p:cNvPr id="11" name="Straight Connector 10"/>
+          <p:cNvCxnSpPr/>
+          <p:nvPr/>
+        </p:nvCxnSpPr>
+        <p:spPr>
+          <a:xfrm flipH="1" flipV="1">
+            <a:off x="5861600" y="2987040"/>
+            <a:ext cx="5800" cy="1177224"/>
+          </a:xfrm>
+          <a:prstGeom prst="line">
+            <a:avLst/>
+          </a:prstGeom>
+          <a:ln w="12700">
+            <a:solidFill>
+              <a:schemeClr val="tx1"/>
+            </a:solidFill>
+          </a:ln>
+          <a:effectLst/>
+        </p:spPr>
+        <p:style>
+          <a:lnRef idx="2">
+            <a:schemeClr val="accent1"/>
+          </a:lnRef>
+          <a:fillRef idx="0">
+            <a:schemeClr val="accent1"/>
+          </a:fillRef>
+          <a:effectRef idx="1">
+            <a:schemeClr val="accent1"/>
+          </a:effectRef>
+          <a:fontRef idx="minor">
+            <a:schemeClr val="tx1"/>
+          </a:fontRef>
+        </p:style>
+      </p:cxnSp>
+      <p:cxnSp>
+        <p:nvCxnSpPr>
+          <p:cNvPr id="12" name="Straight Connector 11"/>
+          <p:cNvCxnSpPr/>
+          <p:nvPr/>
+        </p:nvCxnSpPr>
+        <p:spPr>
+          <a:xfrm flipH="1" flipV="1">
+            <a:off x="7036684" y="2987040"/>
+            <a:ext cx="5800" cy="1177224"/>
+          </a:xfrm>
+          <a:prstGeom prst="line">
+            <a:avLst/>
+          </a:prstGeom>
+          <a:ln w="12700">
+            <a:solidFill>
+              <a:schemeClr val="tx1"/>
+            </a:solidFill>
+          </a:ln>
+          <a:effectLst/>
+        </p:spPr>
+        <p:style>
+          <a:lnRef idx="2">
+            <a:schemeClr val="accent1"/>
+          </a:lnRef>
+          <a:fillRef idx="0">
+            <a:schemeClr val="accent1"/>
+          </a:fillRef>
+          <a:effectRef idx="1">
+            <a:schemeClr val="accent1"/>
+          </a:effectRef>
+          <a:fontRef idx="minor">
+            <a:schemeClr val="tx1"/>
+          </a:fontRef>
+        </p:style>
+      </p:cxnSp>
+      <p:cxnSp>
+        <p:nvCxnSpPr>
+          <p:cNvPr id="13" name="Straight Connector 12"/>
+          <p:cNvCxnSpPr/>
+          <p:nvPr/>
+        </p:nvCxnSpPr>
         <p:spPr>
           <a:xfrm>
-            <a:off x="4304330" y="1299736"/>
-            <a:ext cx="256032" cy="268224"/>
+            <a:off x="983464" y="3716421"/>
+            <a:ext cx="7285789" cy="0"/>
+          </a:xfrm>
+          <a:prstGeom prst="line">
+            <a:avLst/>
+          </a:prstGeom>
+          <a:ln w="12700">
+            <a:solidFill>
+              <a:schemeClr val="tx1"/>
+            </a:solidFill>
+          </a:ln>
+          <a:effectLst/>
+        </p:spPr>
+        <p:style>
+          <a:lnRef idx="2">
+            <a:schemeClr val="accent1"/>
+          </a:lnRef>
+          <a:fillRef idx="0">
+            <a:schemeClr val="accent1"/>
+          </a:fillRef>
+          <a:effectRef idx="1">
+            <a:schemeClr val="accent1"/>
+          </a:effectRef>
+          <a:fontRef idx="minor">
+            <a:schemeClr val="tx1"/>
+          </a:fontRef>
+        </p:style>
+      </p:cxnSp>
+      <p:cxnSp>
+        <p:nvCxnSpPr>
+          <p:cNvPr id="15" name="Straight Connector 14"/>
+          <p:cNvCxnSpPr/>
+          <p:nvPr/>
+        </p:nvCxnSpPr>
+        <p:spPr>
+          <a:xfrm>
+            <a:off x="989264" y="3248527"/>
+            <a:ext cx="7285789" cy="0"/>
+          </a:xfrm>
+          <a:prstGeom prst="line">
+            <a:avLst/>
+          </a:prstGeom>
+          <a:ln w="12700">
+            <a:solidFill>
+              <a:schemeClr val="tx1"/>
+            </a:solidFill>
+          </a:ln>
+          <a:effectLst/>
+        </p:spPr>
+        <p:style>
+          <a:lnRef idx="2">
+            <a:schemeClr val="accent1"/>
+          </a:lnRef>
+          <a:fillRef idx="0">
+            <a:schemeClr val="accent1"/>
+          </a:fillRef>
+          <a:effectRef idx="1">
+            <a:schemeClr val="accent1"/>
+          </a:effectRef>
+          <a:fontRef idx="minor">
+            <a:schemeClr val="tx1"/>
+          </a:fontRef>
+        </p:style>
+      </p:cxnSp>
+      <p:cxnSp>
+        <p:nvCxnSpPr>
+          <p:cNvPr id="16" name="Straight Connector 15"/>
+          <p:cNvCxnSpPr/>
+          <p:nvPr/>
+        </p:nvCxnSpPr>
+        <p:spPr>
+          <a:xfrm>
+            <a:off x="989264" y="3489158"/>
+            <a:ext cx="7285789" cy="0"/>
+          </a:xfrm>
+          <a:prstGeom prst="line">
+            <a:avLst/>
+          </a:prstGeom>
+          <a:ln w="12700">
+            <a:solidFill>
+              <a:schemeClr val="tx1"/>
+            </a:solidFill>
+          </a:ln>
+          <a:effectLst/>
+        </p:spPr>
+        <p:style>
+          <a:lnRef idx="2">
+            <a:schemeClr val="accent1"/>
+          </a:lnRef>
+          <a:fillRef idx="0">
+            <a:schemeClr val="accent1"/>
+          </a:fillRef>
+          <a:effectRef idx="1">
+            <a:schemeClr val="accent1"/>
+          </a:effectRef>
+          <a:fontRef idx="minor">
+            <a:schemeClr val="tx1"/>
+          </a:fontRef>
+        </p:style>
+      </p:cxnSp>
+      <p:cxnSp>
+        <p:nvCxnSpPr>
+          <p:cNvPr id="17" name="Straight Connector 16"/>
+          <p:cNvCxnSpPr/>
+          <p:nvPr/>
+        </p:nvCxnSpPr>
+        <p:spPr>
+          <a:xfrm>
+            <a:off x="983464" y="3935663"/>
+            <a:ext cx="7285789" cy="0"/>
+          </a:xfrm>
+          <a:prstGeom prst="line">
+            <a:avLst/>
+          </a:prstGeom>
+          <a:ln w="12700">
+            <a:solidFill>
+              <a:schemeClr val="tx1"/>
+            </a:solidFill>
+          </a:ln>
+          <a:effectLst/>
+        </p:spPr>
+        <p:style>
+          <a:lnRef idx="2">
+            <a:schemeClr val="accent1"/>
+          </a:lnRef>
+          <a:fillRef idx="0">
+            <a:schemeClr val="accent1"/>
+          </a:fillRef>
+          <a:effectRef idx="1">
+            <a:schemeClr val="accent1"/>
+          </a:effectRef>
+          <a:fontRef idx="minor">
+            <a:schemeClr val="tx1"/>
+          </a:fontRef>
+        </p:style>
+      </p:cxnSp>
+      <p:cxnSp>
+        <p:nvCxnSpPr>
+          <p:cNvPr id="33" name="Straight Connector 32"/>
+          <p:cNvCxnSpPr/>
+          <p:nvPr/>
+        </p:nvCxnSpPr>
+        <p:spPr>
+          <a:xfrm flipH="1" flipV="1">
+            <a:off x="1568115" y="2987040"/>
+            <a:ext cx="5800" cy="1177224"/>
+          </a:xfrm>
+          <a:prstGeom prst="line">
+            <a:avLst/>
+          </a:prstGeom>
+          <a:ln w="12700">
+            <a:solidFill>
+              <a:schemeClr val="tx1"/>
+            </a:solidFill>
+          </a:ln>
+          <a:effectLst/>
+        </p:spPr>
+        <p:style>
+          <a:lnRef idx="2">
+            <a:schemeClr val="accent1"/>
+          </a:lnRef>
+          <a:fillRef idx="0">
+            <a:schemeClr val="accent1"/>
+          </a:fillRef>
+          <a:effectRef idx="1">
+            <a:schemeClr val="accent1"/>
+          </a:effectRef>
+          <a:fontRef idx="minor">
+            <a:schemeClr val="tx1"/>
+          </a:fontRef>
+        </p:style>
+      </p:cxnSp>
+      <p:cxnSp>
+        <p:nvCxnSpPr>
+          <p:cNvPr id="34" name="Straight Connector 33"/>
+          <p:cNvCxnSpPr/>
+          <p:nvPr/>
+        </p:nvCxnSpPr>
+        <p:spPr>
+          <a:xfrm flipH="1" flipV="1">
+            <a:off x="2731168" y="2987040"/>
+            <a:ext cx="5800" cy="1177224"/>
+          </a:xfrm>
+          <a:prstGeom prst="line">
+            <a:avLst/>
+          </a:prstGeom>
+          <a:ln w="12700">
+            <a:solidFill>
+              <a:schemeClr val="tx1"/>
+            </a:solidFill>
+          </a:ln>
+          <a:effectLst/>
+        </p:spPr>
+        <p:style>
+          <a:lnRef idx="2">
+            <a:schemeClr val="accent1"/>
+          </a:lnRef>
+          <a:fillRef idx="0">
+            <a:schemeClr val="accent1"/>
+          </a:fillRef>
+          <a:effectRef idx="1">
+            <a:schemeClr val="accent1"/>
+          </a:effectRef>
+          <a:fontRef idx="minor">
+            <a:schemeClr val="tx1"/>
+          </a:fontRef>
+        </p:style>
+      </p:cxnSp>
+      <p:cxnSp>
+        <p:nvCxnSpPr>
+          <p:cNvPr id="35" name="Straight Connector 34"/>
+          <p:cNvCxnSpPr/>
+          <p:nvPr/>
+        </p:nvCxnSpPr>
+        <p:spPr>
+          <a:xfrm flipH="1" flipV="1">
+            <a:off x="3987800" y="2987040"/>
+            <a:ext cx="5800" cy="1177224"/>
+          </a:xfrm>
+          <a:prstGeom prst="line">
+            <a:avLst/>
+          </a:prstGeom>
+          <a:ln w="12700">
+            <a:solidFill>
+              <a:schemeClr val="tx1"/>
+            </a:solidFill>
+          </a:ln>
+          <a:effectLst/>
+        </p:spPr>
+        <p:style>
+          <a:lnRef idx="2">
+            <a:schemeClr val="accent1"/>
+          </a:lnRef>
+          <a:fillRef idx="0">
+            <a:schemeClr val="accent1"/>
+          </a:fillRef>
+          <a:effectRef idx="1">
+            <a:schemeClr val="accent1"/>
+          </a:effectRef>
+          <a:fontRef idx="minor">
+            <a:schemeClr val="tx1"/>
+          </a:fontRef>
+        </p:style>
+      </p:cxnSp>
+      <p:cxnSp>
+        <p:nvCxnSpPr>
+          <p:cNvPr id="36" name="Straight Connector 35"/>
+          <p:cNvCxnSpPr/>
+          <p:nvPr/>
+        </p:nvCxnSpPr>
+        <p:spPr>
+          <a:xfrm flipH="1" flipV="1">
+            <a:off x="5231062" y="2987040"/>
+            <a:ext cx="5800" cy="1177224"/>
+          </a:xfrm>
+          <a:prstGeom prst="line">
+            <a:avLst/>
+          </a:prstGeom>
+          <a:ln w="12700">
+            <a:solidFill>
+              <a:schemeClr val="tx1"/>
+            </a:solidFill>
+          </a:ln>
+          <a:effectLst/>
+        </p:spPr>
+        <p:style>
+          <a:lnRef idx="2">
+            <a:schemeClr val="accent1"/>
+          </a:lnRef>
+          <a:fillRef idx="0">
+            <a:schemeClr val="accent1"/>
+          </a:fillRef>
+          <a:effectRef idx="1">
+            <a:schemeClr val="accent1"/>
+          </a:effectRef>
+          <a:fontRef idx="minor">
+            <a:schemeClr val="tx1"/>
+          </a:fontRef>
+        </p:style>
+      </p:cxnSp>
+      <p:cxnSp>
+        <p:nvCxnSpPr>
+          <p:cNvPr id="37" name="Straight Connector 36"/>
+          <p:cNvCxnSpPr/>
+          <p:nvPr/>
+        </p:nvCxnSpPr>
+        <p:spPr>
+          <a:xfrm flipV="1">
+            <a:off x="6440021" y="2987040"/>
+            <a:ext cx="0" cy="1177226"/>
+          </a:xfrm>
+          <a:prstGeom prst="line">
+            <a:avLst/>
+          </a:prstGeom>
+          <a:ln w="12700">
+            <a:solidFill>
+              <a:schemeClr val="tx1"/>
+            </a:solidFill>
+          </a:ln>
+          <a:effectLst/>
+        </p:spPr>
+        <p:style>
+          <a:lnRef idx="2">
+            <a:schemeClr val="accent1"/>
+          </a:lnRef>
+          <a:fillRef idx="0">
+            <a:schemeClr val="accent1"/>
+          </a:fillRef>
+          <a:effectRef idx="1">
+            <a:schemeClr val="accent1"/>
+          </a:effectRef>
+          <a:fontRef idx="minor">
+            <a:schemeClr val="tx1"/>
+          </a:fontRef>
+        </p:style>
+      </p:cxnSp>
+      <p:cxnSp>
+        <p:nvCxnSpPr>
+          <p:cNvPr id="38" name="Straight Connector 37"/>
+          <p:cNvCxnSpPr/>
+          <p:nvPr/>
+        </p:nvCxnSpPr>
+        <p:spPr>
+          <a:xfrm flipH="1" flipV="1">
+            <a:off x="7650745" y="2987040"/>
+            <a:ext cx="5800" cy="1177224"/>
+          </a:xfrm>
+          <a:prstGeom prst="line">
+            <a:avLst/>
+          </a:prstGeom>
+          <a:ln w="12700">
+            <a:solidFill>
+              <a:schemeClr val="tx1"/>
+            </a:solidFill>
+          </a:ln>
+          <a:effectLst/>
+        </p:spPr>
+        <p:style>
+          <a:lnRef idx="2">
+            <a:schemeClr val="accent1"/>
+          </a:lnRef>
+          <a:fillRef idx="0">
+            <a:schemeClr val="accent1"/>
+          </a:fillRef>
+          <a:effectRef idx="1">
+            <a:schemeClr val="accent1"/>
+          </a:effectRef>
+          <a:fontRef idx="minor">
+            <a:schemeClr val="tx1"/>
+          </a:fontRef>
+        </p:style>
+      </p:cxnSp>
+      <p:sp>
+        <p:nvSpPr>
+          <p:cNvPr id="39" name="TextBox 38"/>
+          <p:cNvSpPr txBox="1"/>
+          <p:nvPr/>
+        </p:nvSpPr>
+        <p:spPr>
+          <a:xfrm>
+            <a:off x="687604" y="3979599"/>
+            <a:ext cx="301660" cy="369332"/>
           </a:xfrm>
           <a:prstGeom prst="rect">
             <a:avLst/>
           </a:prstGeom>
+          <a:noFill/>
         </p:spPr>
-      </p:pic>
+        <p:txBody>
+          <a:bodyPr wrap="none" rtlCol="0">
+            <a:spAutoFit/>
+          </a:bodyPr>
+          <a:lstStyle/>
+          <a:p>
+            <a:r>
+              <a:rPr lang="en-US" dirty="0" smtClean="0">
+                <a:latin typeface="Times New Roman"/>
+                <a:cs typeface="Times New Roman"/>
+              </a:rPr>
+              <a:t>6</a:t>
+            </a:r>
+            <a:endParaRPr lang="en-US" dirty="0">
+              <a:latin typeface="Times New Roman"/>
+              <a:cs typeface="Times New Roman"/>
+            </a:endParaRPr>
+          </a:p>
+        </p:txBody>
+      </p:sp>
+      <p:sp>
+        <p:nvSpPr>
+          <p:cNvPr id="40" name="TextBox 39"/>
+          <p:cNvSpPr txBox="1"/>
+          <p:nvPr/>
+        </p:nvSpPr>
+        <p:spPr>
+          <a:xfrm>
+            <a:off x="692956" y="3771063"/>
+            <a:ext cx="300082" cy="369332"/>
+          </a:xfrm>
+          <a:prstGeom prst="rect">
+            <a:avLst/>
+          </a:prstGeom>
+          <a:noFill/>
+        </p:spPr>
+        <p:txBody>
+          <a:bodyPr wrap="none" rtlCol="0">
+            <a:spAutoFit/>
+          </a:bodyPr>
+          <a:lstStyle/>
+          <a:p>
+            <a:r>
+              <a:rPr lang="en-US" dirty="0" smtClean="0">
+                <a:latin typeface="Times New Roman"/>
+                <a:cs typeface="Times New Roman"/>
+              </a:rPr>
+              <a:t>5</a:t>
+            </a:r>
+            <a:endParaRPr lang="en-US" dirty="0">
+              <a:latin typeface="Times New Roman"/>
+              <a:cs typeface="Times New Roman"/>
+            </a:endParaRPr>
+          </a:p>
+        </p:txBody>
+      </p:sp>
+      <p:sp>
+        <p:nvSpPr>
+          <p:cNvPr id="41" name="TextBox 40"/>
+          <p:cNvSpPr txBox="1"/>
+          <p:nvPr/>
+        </p:nvSpPr>
+        <p:spPr>
+          <a:xfrm>
+            <a:off x="698308" y="3535791"/>
+            <a:ext cx="300082" cy="369332"/>
+          </a:xfrm>
+          <a:prstGeom prst="rect">
+            <a:avLst/>
+          </a:prstGeom>
+          <a:noFill/>
+        </p:spPr>
+        <p:txBody>
+          <a:bodyPr wrap="none" rtlCol="0">
+            <a:spAutoFit/>
+          </a:bodyPr>
+          <a:lstStyle/>
+          <a:p>
+            <a:r>
+              <a:rPr lang="en-US" dirty="0">
+                <a:latin typeface="Times New Roman"/>
+                <a:cs typeface="Times New Roman"/>
+              </a:rPr>
+              <a:t>4</a:t>
+            </a:r>
+          </a:p>
+        </p:txBody>
+      </p:sp>
+      <p:sp>
+        <p:nvSpPr>
+          <p:cNvPr id="42" name="TextBox 41"/>
+          <p:cNvSpPr txBox="1"/>
+          <p:nvPr/>
+        </p:nvSpPr>
+        <p:spPr>
+          <a:xfrm>
+            <a:off x="710118" y="3306985"/>
+            <a:ext cx="300082" cy="369332"/>
+          </a:xfrm>
+          <a:prstGeom prst="rect">
+            <a:avLst/>
+          </a:prstGeom>
+          <a:noFill/>
+        </p:spPr>
+        <p:txBody>
+          <a:bodyPr wrap="none" rtlCol="0">
+            <a:spAutoFit/>
+          </a:bodyPr>
+          <a:lstStyle/>
+          <a:p>
+            <a:r>
+              <a:rPr lang="en-US" dirty="0">
+                <a:latin typeface="Times New Roman"/>
+                <a:cs typeface="Times New Roman"/>
+              </a:rPr>
+              <a:t>3</a:t>
+            </a:r>
+            <a:endParaRPr lang="en-US" dirty="0">
+              <a:latin typeface="Times New Roman"/>
+              <a:cs typeface="Times New Roman"/>
+            </a:endParaRPr>
+          </a:p>
+        </p:txBody>
+      </p:sp>
+      <p:sp>
+        <p:nvSpPr>
+          <p:cNvPr id="43" name="TextBox 42"/>
+          <p:cNvSpPr txBox="1"/>
+          <p:nvPr/>
+        </p:nvSpPr>
+        <p:spPr>
+          <a:xfrm>
+            <a:off x="710118" y="3066354"/>
+            <a:ext cx="300082" cy="369332"/>
+          </a:xfrm>
+          <a:prstGeom prst="rect">
+            <a:avLst/>
+          </a:prstGeom>
+          <a:noFill/>
+        </p:spPr>
+        <p:txBody>
+          <a:bodyPr wrap="none" rtlCol="0">
+            <a:spAutoFit/>
+          </a:bodyPr>
+          <a:lstStyle/>
+          <a:p>
+            <a:r>
+              <a:rPr lang="en-US" dirty="0">
+                <a:latin typeface="Times New Roman"/>
+                <a:cs typeface="Times New Roman"/>
+              </a:rPr>
+              <a:t>2</a:t>
+            </a:r>
+          </a:p>
+        </p:txBody>
+      </p:sp>
+      <p:sp>
+        <p:nvSpPr>
+          <p:cNvPr id="44" name="TextBox 43"/>
+          <p:cNvSpPr txBox="1"/>
+          <p:nvPr/>
+        </p:nvSpPr>
+        <p:spPr>
+          <a:xfrm>
+            <a:off x="705757" y="2814306"/>
+            <a:ext cx="188323" cy="369332"/>
+          </a:xfrm>
+          <a:prstGeom prst="rect">
+            <a:avLst/>
+          </a:prstGeom>
+          <a:solidFill>
+            <a:schemeClr val="bg1"/>
+          </a:solidFill>
+        </p:spPr>
+        <p:txBody>
+          <a:bodyPr wrap="square" rtlCol="0">
+            <a:spAutoFit/>
+          </a:bodyPr>
+          <a:lstStyle/>
+          <a:p>
+            <a:r>
+              <a:rPr lang="en-US" dirty="0" smtClean="0">
+                <a:latin typeface="Times New Roman"/>
+                <a:cs typeface="Times New Roman"/>
+              </a:rPr>
+              <a:t>1</a:t>
+            </a:r>
+            <a:endParaRPr lang="en-US" dirty="0">
+              <a:latin typeface="Times New Roman"/>
+              <a:cs typeface="Times New Roman"/>
+            </a:endParaRPr>
+          </a:p>
+        </p:txBody>
+      </p:sp>
     </p:spTree>
     <p:extLst>
       <p:ext uri="{BB962C8B-B14F-4D97-AF65-F5344CB8AC3E}">
-        <p14:creationId xmlns:p14="http://schemas.microsoft.com/office/powerpoint/2010/main" val="4017096460"/>
+        <p14:creationId xmlns:p14="http://schemas.microsoft.com/office/powerpoint/2010/main" val="761252868"/>
       </p:ext>
     </p:extLst>
   </p:cSld>
@@ -4597,4 +5897,324 @@
   </a:objectDefaults>
   <a:extraClrSchemeLst/>
 </a:theme>
+</file>
+
+<file path=ppt/theme/theme2.xml><?xml version="1.0" encoding="utf-8"?>
+<a:theme xmlns:a="http://schemas.openxmlformats.org/drawingml/2006/main" name="Office Theme">
+  <a:themeElements>
+    <a:clrScheme name="Office">
+      <a:dk1>
+        <a:sysClr val="windowText" lastClr="000000"/>
+      </a:dk1>
+      <a:lt1>
+        <a:sysClr val="window" lastClr="FFFFFF"/>
+      </a:lt1>
+      <a:dk2>
+        <a:srgbClr val="1F497D"/>
+      </a:dk2>
+      <a:lt2>
+        <a:srgbClr val="EEECE1"/>
+      </a:lt2>
+      <a:accent1>
+        <a:srgbClr val="4F81BD"/>
+      </a:accent1>
+      <a:accent2>
+        <a:srgbClr val="C0504D"/>
+      </a:accent2>
+      <a:accent3>
+        <a:srgbClr val="9BBB59"/>
+      </a:accent3>
+      <a:accent4>
+        <a:srgbClr val="8064A2"/>
+      </a:accent4>
+      <a:accent5>
+        <a:srgbClr val="4BACC6"/>
+      </a:accent5>
+      <a:accent6>
+        <a:srgbClr val="F79646"/>
+      </a:accent6>
+      <a:hlink>
+        <a:srgbClr val="0000FF"/>
+      </a:hlink>
+      <a:folHlink>
+        <a:srgbClr val="800080"/>
+      </a:folHlink>
+    </a:clrScheme>
+    <a:fontScheme name="Office">
+      <a:majorFont>
+        <a:latin typeface="Calibri"/>
+        <a:ea typeface=""/>
+        <a:cs typeface=""/>
+        <a:font script="Jpan" typeface="ＭＳ Ｐゴシック"/>
+        <a:font script="Hang" typeface="맑은 고딕"/>
+        <a:font script="Hans" typeface="宋体"/>
+        <a:font script="Hant" typeface="新細明體"/>
+        <a:font script="Arab" typeface="Times New Roman"/>
+        <a:font script="Hebr" typeface="Times New Roman"/>
+        <a:font script="Thai" typeface="Angsana New"/>
+        <a:font script="Ethi" typeface="Nyala"/>
+        <a:font script="Beng" typeface="Vrinda"/>
+        <a:font script="Gujr" typeface="Shruti"/>
+        <a:font script="Khmr" typeface="MoolBoran"/>
+        <a:font script="Knda" typeface="Tunga"/>
+        <a:font script="Guru" typeface="Raavi"/>
+        <a:font script="Cans" typeface="Euphemia"/>
+        <a:font script="Cher" typeface="Plantagenet Cherokee"/>
+        <a:font script="Yiii" typeface="Microsoft Yi Baiti"/>
+        <a:font script="Tibt" typeface="Microsoft Himalaya"/>
+        <a:font script="Thaa" typeface="MV Boli"/>
+        <a:font script="Deva" typeface="Mangal"/>
+        <a:font script="Telu" typeface="Gautami"/>
+        <a:font script="Taml" typeface="Latha"/>
+        <a:font script="Syrc" typeface="Estrangelo Edessa"/>
+        <a:font script="Orya" typeface="Kalinga"/>
+        <a:font script="Mlym" typeface="Kartika"/>
+        <a:font script="Laoo" typeface="DokChampa"/>
+        <a:font script="Sinh" typeface="Iskoola Pota"/>
+        <a:font script="Mong" typeface="Mongolian Baiti"/>
+        <a:font script="Viet" typeface="Times New Roman"/>
+        <a:font script="Uigh" typeface="Microsoft Uighur"/>
+        <a:font script="Geor" typeface="Sylfaen"/>
+      </a:majorFont>
+      <a:minorFont>
+        <a:latin typeface="Calibri"/>
+        <a:ea typeface=""/>
+        <a:cs typeface=""/>
+        <a:font script="Jpan" typeface="ＭＳ Ｐゴシック"/>
+        <a:font script="Hang" typeface="맑은 고딕"/>
+        <a:font script="Hans" typeface="宋体"/>
+        <a:font script="Hant" typeface="新細明體"/>
+        <a:font script="Arab" typeface="Arial"/>
+        <a:font script="Hebr" typeface="Arial"/>
+        <a:font script="Thai" typeface="Cordia New"/>
+        <a:font script="Ethi" typeface="Nyala"/>
+        <a:font script="Beng" typeface="Vrinda"/>
+        <a:font script="Gujr" typeface="Shruti"/>
+        <a:font script="Khmr" typeface="DaunPenh"/>
+        <a:font script="Knda" typeface="Tunga"/>
+        <a:font script="Guru" typeface="Raavi"/>
+        <a:font script="Cans" typeface="Euphemia"/>
+        <a:font script="Cher" typeface="Plantagenet Cherokee"/>
+        <a:font script="Yiii" typeface="Microsoft Yi Baiti"/>
+        <a:font script="Tibt" typeface="Microsoft Himalaya"/>
+        <a:font script="Thaa" typeface="MV Boli"/>
+        <a:font script="Deva" typeface="Mangal"/>
+        <a:font script="Telu" typeface="Gautami"/>
+        <a:font script="Taml" typeface="Latha"/>
+        <a:font script="Syrc" typeface="Estrangelo Edessa"/>
+        <a:font script="Orya" typeface="Kalinga"/>
+        <a:font script="Mlym" typeface="Kartika"/>
+        <a:font script="Laoo" typeface="DokChampa"/>
+        <a:font script="Sinh" typeface="Iskoola Pota"/>
+        <a:font script="Mong" typeface="Mongolian Baiti"/>
+        <a:font script="Viet" typeface="Arial"/>
+        <a:font script="Uigh" typeface="Microsoft Uighur"/>
+        <a:font script="Geor" typeface="Sylfaen"/>
+      </a:minorFont>
+    </a:fontScheme>
+    <a:fmtScheme name="Office">
+      <a:fillStyleLst>
+        <a:solidFill>
+          <a:schemeClr val="phClr"/>
+        </a:solidFill>
+        <a:gradFill rotWithShape="1">
+          <a:gsLst>
+            <a:gs pos="0">
+              <a:schemeClr val="phClr">
+                <a:tint val="50000"/>
+                <a:satMod val="300000"/>
+              </a:schemeClr>
+            </a:gs>
+            <a:gs pos="35000">
+              <a:schemeClr val="phClr">
+                <a:tint val="37000"/>
+                <a:satMod val="300000"/>
+              </a:schemeClr>
+            </a:gs>
+            <a:gs pos="100000">
+              <a:schemeClr val="phClr">
+                <a:tint val="15000"/>
+                <a:satMod val="350000"/>
+              </a:schemeClr>
+            </a:gs>
+          </a:gsLst>
+          <a:lin ang="16200000" scaled="1"/>
+        </a:gradFill>
+        <a:gradFill rotWithShape="1">
+          <a:gsLst>
+            <a:gs pos="0">
+              <a:schemeClr val="phClr">
+                <a:tint val="100000"/>
+                <a:shade val="100000"/>
+                <a:satMod val="130000"/>
+              </a:schemeClr>
+            </a:gs>
+            <a:gs pos="100000">
+              <a:schemeClr val="phClr">
+                <a:tint val="50000"/>
+                <a:shade val="100000"/>
+                <a:satMod val="350000"/>
+              </a:schemeClr>
+            </a:gs>
+          </a:gsLst>
+          <a:lin ang="16200000" scaled="0"/>
+        </a:gradFill>
+      </a:fillStyleLst>
+      <a:lnStyleLst>
+        <a:ln w="9525" cap="flat" cmpd="sng" algn="ctr">
+          <a:solidFill>
+            <a:schemeClr val="phClr">
+              <a:shade val="95000"/>
+              <a:satMod val="105000"/>
+            </a:schemeClr>
+          </a:solidFill>
+          <a:prstDash val="solid"/>
+        </a:ln>
+        <a:ln w="25400" cap="flat" cmpd="sng" algn="ctr">
+          <a:solidFill>
+            <a:schemeClr val="phClr"/>
+          </a:solidFill>
+          <a:prstDash val="solid"/>
+        </a:ln>
+        <a:ln w="38100" cap="flat" cmpd="sng" algn="ctr">
+          <a:solidFill>
+            <a:schemeClr val="phClr"/>
+          </a:solidFill>
+          <a:prstDash val="solid"/>
+        </a:ln>
+      </a:lnStyleLst>
+      <a:effectStyleLst>
+        <a:effectStyle>
+          <a:effectLst>
+            <a:outerShdw blurRad="40000" dist="20000" dir="5400000" rotWithShape="0">
+              <a:srgbClr val="000000">
+                <a:alpha val="38000"/>
+              </a:srgbClr>
+            </a:outerShdw>
+          </a:effectLst>
+        </a:effectStyle>
+        <a:effectStyle>
+          <a:effectLst>
+            <a:outerShdw blurRad="40000" dist="23000" dir="5400000" rotWithShape="0">
+              <a:srgbClr val="000000">
+                <a:alpha val="35000"/>
+              </a:srgbClr>
+            </a:outerShdw>
+          </a:effectLst>
+        </a:effectStyle>
+        <a:effectStyle>
+          <a:effectLst>
+            <a:outerShdw blurRad="40000" dist="23000" dir="5400000" rotWithShape="0">
+              <a:srgbClr val="000000">
+                <a:alpha val="35000"/>
+              </a:srgbClr>
+            </a:outerShdw>
+          </a:effectLst>
+          <a:scene3d>
+            <a:camera prst="orthographicFront">
+              <a:rot lat="0" lon="0" rev="0"/>
+            </a:camera>
+            <a:lightRig rig="threePt" dir="t">
+              <a:rot lat="0" lon="0" rev="1200000"/>
+            </a:lightRig>
+          </a:scene3d>
+          <a:sp3d>
+            <a:bevelT w="63500" h="25400"/>
+          </a:sp3d>
+        </a:effectStyle>
+      </a:effectStyleLst>
+      <a:bgFillStyleLst>
+        <a:solidFill>
+          <a:schemeClr val="phClr"/>
+        </a:solidFill>
+        <a:gradFill rotWithShape="1">
+          <a:gsLst>
+            <a:gs pos="0">
+              <a:schemeClr val="phClr">
+                <a:tint val="40000"/>
+                <a:satMod val="350000"/>
+              </a:schemeClr>
+            </a:gs>
+            <a:gs pos="40000">
+              <a:schemeClr val="phClr">
+                <a:tint val="45000"/>
+                <a:shade val="99000"/>
+                <a:satMod val="350000"/>
+              </a:schemeClr>
+            </a:gs>
+            <a:gs pos="100000">
+              <a:schemeClr val="phClr">
+                <a:shade val="20000"/>
+                <a:satMod val="255000"/>
+              </a:schemeClr>
+            </a:gs>
+          </a:gsLst>
+          <a:path path="circle">
+            <a:fillToRect l="50000" t="-80000" r="50000" b="180000"/>
+          </a:path>
+        </a:gradFill>
+        <a:gradFill rotWithShape="1">
+          <a:gsLst>
+            <a:gs pos="0">
+              <a:schemeClr val="phClr">
+                <a:tint val="80000"/>
+                <a:satMod val="300000"/>
+              </a:schemeClr>
+            </a:gs>
+            <a:gs pos="100000">
+              <a:schemeClr val="phClr">
+                <a:shade val="30000"/>
+                <a:satMod val="200000"/>
+              </a:schemeClr>
+            </a:gs>
+          </a:gsLst>
+          <a:path path="circle">
+            <a:fillToRect l="50000" t="50000" r="50000" b="50000"/>
+          </a:path>
+        </a:gradFill>
+      </a:bgFillStyleLst>
+    </a:fmtScheme>
+  </a:themeElements>
+  <a:objectDefaults>
+    <a:spDef>
+      <a:spPr/>
+      <a:bodyPr/>
+      <a:lstStyle/>
+      <a:style>
+        <a:lnRef idx="1">
+          <a:schemeClr val="accent1"/>
+        </a:lnRef>
+        <a:fillRef idx="3">
+          <a:schemeClr val="accent1"/>
+        </a:fillRef>
+        <a:effectRef idx="2">
+          <a:schemeClr val="accent1"/>
+        </a:effectRef>
+        <a:fontRef idx="minor">
+          <a:schemeClr val="lt1"/>
+        </a:fontRef>
+      </a:style>
+    </a:spDef>
+    <a:lnDef>
+      <a:spPr/>
+      <a:bodyPr/>
+      <a:lstStyle/>
+      <a:style>
+        <a:lnRef idx="2">
+          <a:schemeClr val="accent1"/>
+        </a:lnRef>
+        <a:fillRef idx="0">
+          <a:schemeClr val="accent1"/>
+        </a:fillRef>
+        <a:effectRef idx="1">
+          <a:schemeClr val="accent1"/>
+        </a:effectRef>
+        <a:fontRef idx="minor">
+          <a:schemeClr val="tx1"/>
+        </a:fontRef>
+      </a:style>
+    </a:lnDef>
+  </a:objectDefaults>
+  <a:extraClrSchemeLst/>
+</a:theme>
 </file>
--- a/final/flowchart.pptx
+++ b/final/flowchart.pptx
@@ -3846,7 +3846,7 @@
               <a:graphicData uri="http://schemas.openxmlformats.org/presentationml/2006/ole">
                 <mc:AlternateContent xmlns:mc="http://schemas.openxmlformats.org/markup-compatibility/2006">
                   <mc:Choice xmlns:v="urn:schemas-microsoft-com:vml" Requires="v">
-                    <p:oleObj spid="_x0000_s1042" name="Equation" r:id="rId3" imgW="114300" imgH="165100" progId="Equation.3">
+                    <p:oleObj spid="_x0000_s1043" name="Equation" r:id="rId3" imgW="114300" imgH="165100" progId="Equation.3">
                       <p:embed/>
                     </p:oleObj>
                   </mc:Choice>
@@ -5566,6 +5566,331 @@
           </a:p>
         </p:txBody>
       </p:sp>
+      <p:sp>
+        <p:nvSpPr>
+          <p:cNvPr id="94" name="Oval 93"/>
+          <p:cNvSpPr/>
+          <p:nvPr/>
+        </p:nvSpPr>
+        <p:spPr>
+          <a:xfrm>
+            <a:off x="7897090" y="4082668"/>
+            <a:ext cx="150091" cy="150091"/>
+          </a:xfrm>
+          <a:prstGeom prst="ellipse">
+            <a:avLst/>
+          </a:prstGeom>
+          <a:solidFill>
+            <a:schemeClr val="tx1"/>
+          </a:solidFill>
+          <a:ln>
+            <a:solidFill>
+              <a:schemeClr val="tx1"/>
+            </a:solidFill>
+          </a:ln>
+          <a:effectLst/>
+        </p:spPr>
+        <p:style>
+          <a:lnRef idx="1">
+            <a:schemeClr val="accent1"/>
+          </a:lnRef>
+          <a:fillRef idx="3">
+            <a:schemeClr val="accent1"/>
+          </a:fillRef>
+          <a:effectRef idx="2">
+            <a:schemeClr val="accent1"/>
+          </a:effectRef>
+          <a:fontRef idx="minor">
+            <a:schemeClr val="lt1"/>
+          </a:fontRef>
+        </p:style>
+        <p:txBody>
+          <a:bodyPr rtlCol="0" anchor="ctr"/>
+          <a:lstStyle/>
+          <a:p>
+            <a:pPr algn="ctr"/>
+            <a:endParaRPr lang="en-US"/>
+          </a:p>
+        </p:txBody>
+      </p:sp>
+      <p:sp>
+        <p:nvSpPr>
+          <p:cNvPr id="95" name="Oval 94"/>
+          <p:cNvSpPr/>
+          <p:nvPr/>
+        </p:nvSpPr>
+        <p:spPr>
+          <a:xfrm>
+            <a:off x="4851400" y="3860617"/>
+            <a:ext cx="150091" cy="150091"/>
+          </a:xfrm>
+          <a:prstGeom prst="ellipse">
+            <a:avLst/>
+          </a:prstGeom>
+          <a:solidFill>
+            <a:schemeClr val="tx1"/>
+          </a:solidFill>
+          <a:ln>
+            <a:solidFill>
+              <a:schemeClr val="tx1"/>
+            </a:solidFill>
+          </a:ln>
+          <a:effectLst/>
+        </p:spPr>
+        <p:style>
+          <a:lnRef idx="1">
+            <a:schemeClr val="accent1"/>
+          </a:lnRef>
+          <a:fillRef idx="3">
+            <a:schemeClr val="accent1"/>
+          </a:fillRef>
+          <a:effectRef idx="2">
+            <a:schemeClr val="accent1"/>
+          </a:effectRef>
+          <a:fontRef idx="minor">
+            <a:schemeClr val="lt1"/>
+          </a:fontRef>
+        </p:style>
+        <p:txBody>
+          <a:bodyPr rtlCol="0" anchor="ctr"/>
+          <a:lstStyle/>
+          <a:p>
+            <a:pPr algn="ctr"/>
+            <a:endParaRPr lang="en-US"/>
+          </a:p>
+        </p:txBody>
+      </p:sp>
+      <p:sp>
+        <p:nvSpPr>
+          <p:cNvPr id="96" name="Oval 95"/>
+          <p:cNvSpPr/>
+          <p:nvPr/>
+        </p:nvSpPr>
+        <p:spPr>
+          <a:xfrm>
+            <a:off x="1782619" y="3641375"/>
+            <a:ext cx="150091" cy="150091"/>
+          </a:xfrm>
+          <a:prstGeom prst="ellipse">
+            <a:avLst/>
+          </a:prstGeom>
+          <a:solidFill>
+            <a:schemeClr val="tx1"/>
+          </a:solidFill>
+          <a:ln>
+            <a:solidFill>
+              <a:schemeClr val="tx1"/>
+            </a:solidFill>
+          </a:ln>
+          <a:effectLst/>
+        </p:spPr>
+        <p:style>
+          <a:lnRef idx="1">
+            <a:schemeClr val="accent1"/>
+          </a:lnRef>
+          <a:fillRef idx="3">
+            <a:schemeClr val="accent1"/>
+          </a:fillRef>
+          <a:effectRef idx="2">
+            <a:schemeClr val="accent1"/>
+          </a:effectRef>
+          <a:fontRef idx="minor">
+            <a:schemeClr val="lt1"/>
+          </a:fontRef>
+        </p:style>
+        <p:txBody>
+          <a:bodyPr rtlCol="0" anchor="ctr"/>
+          <a:lstStyle/>
+          <a:p>
+            <a:pPr algn="ctr"/>
+            <a:endParaRPr lang="en-US"/>
+          </a:p>
+        </p:txBody>
+      </p:sp>
+      <p:cxnSp>
+        <p:nvCxnSpPr>
+          <p:cNvPr id="97" name="Straight Connector 96"/>
+          <p:cNvCxnSpPr/>
+          <p:nvPr/>
+        </p:nvCxnSpPr>
+        <p:spPr>
+          <a:xfrm flipV="1">
+            <a:off x="1852137" y="3710532"/>
+            <a:ext cx="0" cy="965377"/>
+          </a:xfrm>
+          <a:prstGeom prst="line">
+            <a:avLst/>
+          </a:prstGeom>
+          <a:ln w="12700">
+            <a:solidFill>
+              <a:schemeClr val="tx1"/>
+            </a:solidFill>
+            <a:prstDash val="dash"/>
+          </a:ln>
+          <a:effectLst/>
+        </p:spPr>
+        <p:style>
+          <a:lnRef idx="2">
+            <a:schemeClr val="accent1"/>
+          </a:lnRef>
+          <a:fillRef idx="0">
+            <a:schemeClr val="accent1"/>
+          </a:fillRef>
+          <a:effectRef idx="1">
+            <a:schemeClr val="accent1"/>
+          </a:effectRef>
+          <a:fontRef idx="minor">
+            <a:schemeClr val="tx1"/>
+          </a:fontRef>
+        </p:style>
+      </p:cxnSp>
+      <p:cxnSp>
+        <p:nvCxnSpPr>
+          <p:cNvPr id="98" name="Straight Connector 97"/>
+          <p:cNvCxnSpPr/>
+          <p:nvPr/>
+        </p:nvCxnSpPr>
+        <p:spPr>
+          <a:xfrm flipV="1">
+            <a:off x="4927844" y="3916668"/>
+            <a:ext cx="0" cy="759241"/>
+          </a:xfrm>
+          <a:prstGeom prst="line">
+            <a:avLst/>
+          </a:prstGeom>
+          <a:ln w="12700">
+            <a:solidFill>
+              <a:schemeClr val="tx1"/>
+            </a:solidFill>
+            <a:prstDash val="dash"/>
+          </a:ln>
+          <a:effectLst/>
+        </p:spPr>
+        <p:style>
+          <a:lnRef idx="2">
+            <a:schemeClr val="accent1"/>
+          </a:lnRef>
+          <a:fillRef idx="0">
+            <a:schemeClr val="accent1"/>
+          </a:fillRef>
+          <a:effectRef idx="1">
+            <a:schemeClr val="accent1"/>
+          </a:effectRef>
+          <a:fontRef idx="minor">
+            <a:schemeClr val="tx1"/>
+          </a:fontRef>
+        </p:style>
+      </p:cxnSp>
+      <p:cxnSp>
+        <p:nvCxnSpPr>
+          <p:cNvPr id="99" name="Straight Connector 98"/>
+          <p:cNvCxnSpPr/>
+          <p:nvPr/>
+        </p:nvCxnSpPr>
+        <p:spPr>
+          <a:xfrm flipV="1">
+            <a:off x="7966360" y="4128848"/>
+            <a:ext cx="0" cy="547061"/>
+          </a:xfrm>
+          <a:prstGeom prst="line">
+            <a:avLst/>
+          </a:prstGeom>
+          <a:ln w="12700">
+            <a:solidFill>
+              <a:schemeClr val="tx1"/>
+            </a:solidFill>
+            <a:prstDash val="dash"/>
+          </a:ln>
+          <a:effectLst/>
+        </p:spPr>
+        <p:style>
+          <a:lnRef idx="2">
+            <a:schemeClr val="accent1"/>
+          </a:lnRef>
+          <a:fillRef idx="0">
+            <a:schemeClr val="accent1"/>
+          </a:fillRef>
+          <a:effectRef idx="1">
+            <a:schemeClr val="accent1"/>
+          </a:effectRef>
+          <a:fontRef idx="minor">
+            <a:schemeClr val="tx1"/>
+          </a:fontRef>
+        </p:style>
+      </p:cxnSp>
+      <p:cxnSp>
+        <p:nvCxnSpPr>
+          <p:cNvPr id="106" name="Straight Connector 105"/>
+          <p:cNvCxnSpPr/>
+          <p:nvPr/>
+        </p:nvCxnSpPr>
+        <p:spPr>
+          <a:xfrm flipH="1">
+            <a:off x="1852137" y="4675909"/>
+            <a:ext cx="6114223" cy="1"/>
+          </a:xfrm>
+          <a:prstGeom prst="line">
+            <a:avLst/>
+          </a:prstGeom>
+          <a:ln w="12700">
+            <a:solidFill>
+              <a:schemeClr val="tx1"/>
+            </a:solidFill>
+            <a:prstDash val="dash"/>
+          </a:ln>
+          <a:effectLst/>
+        </p:spPr>
+        <p:style>
+          <a:lnRef idx="2">
+            <a:schemeClr val="accent1"/>
+          </a:lnRef>
+          <a:fillRef idx="0">
+            <a:schemeClr val="accent1"/>
+          </a:fillRef>
+          <a:effectRef idx="1">
+            <a:schemeClr val="accent1"/>
+          </a:effectRef>
+          <a:fontRef idx="minor">
+            <a:schemeClr val="tx1"/>
+          </a:fontRef>
+        </p:style>
+      </p:cxnSp>
+      <p:sp>
+        <p:nvSpPr>
+          <p:cNvPr id="108" name="TextBox 107"/>
+          <p:cNvSpPr txBox="1"/>
+          <p:nvPr/>
+        </p:nvSpPr>
+        <p:spPr>
+          <a:xfrm>
+            <a:off x="4713514" y="4621116"/>
+            <a:ext cx="441084" cy="369332"/>
+          </a:xfrm>
+          <a:prstGeom prst="rect">
+            <a:avLst/>
+          </a:prstGeom>
+          <a:noFill/>
+        </p:spPr>
+        <p:txBody>
+          <a:bodyPr wrap="none" rtlCol="0">
+            <a:spAutoFit/>
+          </a:bodyPr>
+          <a:lstStyle/>
+          <a:p>
+            <a:r>
+              <a:rPr lang="en-US" dirty="0" smtClean="0">
+                <a:latin typeface="Times New Roman"/>
+                <a:cs typeface="Times New Roman"/>
+              </a:rPr>
+              <a:t>E3</a:t>
+            </a:r>
+            <a:endParaRPr lang="en-US" dirty="0">
+              <a:latin typeface="Times New Roman"/>
+              <a:cs typeface="Times New Roman"/>
+            </a:endParaRPr>
+          </a:p>
+        </p:txBody>
+      </p:sp>
     </p:spTree>
     <p:extLst>
       <p:ext uri="{BB962C8B-B14F-4D97-AF65-F5344CB8AC3E}">

--- a/final/flowchart.pptx
+++ b/final/flowchart.pptx
@@ -5,12 +5,13 @@
     <p:sldMasterId id="2147483648" r:id="rId1"/>
   </p:sldMasterIdLst>
   <p:notesMasterIdLst>
-    <p:notesMasterId r:id="rId5"/>
+    <p:notesMasterId r:id="rId6"/>
   </p:notesMasterIdLst>
   <p:sldIdLst>
     <p:sldId id="256" r:id="rId2"/>
     <p:sldId id="257" r:id="rId3"/>
     <p:sldId id="258" r:id="rId4"/>
+    <p:sldId id="259" r:id="rId5"/>
   </p:sldIdLst>
   <p:sldSz cx="9144000" cy="6858000" type="screen4x3"/>
   <p:notesSz cx="6858000" cy="9144000"/>
@@ -194,7 +195,7 @@
           <a:p>
             <a:fld id="{5B3AAAF4-C58C-AE44-8633-B43DD59344F9}" type="datetimeFigureOut">
               <a:rPr lang="en-US" smtClean="0"/>
-              <a:t>6/19/17</a:t>
+              <a:t>6/26/17</a:t>
             </a:fld>
             <a:endParaRPr lang="en-US"/>
           </a:p>
@@ -727,7 +728,7 @@
           <a:p>
             <a:fld id="{078C8833-B1B4-0545-8C8B-E4F56E1BF527}" type="datetimeFigureOut">
               <a:rPr lang="en-US" smtClean="0"/>
-              <a:t>6/17/17</a:t>
+              <a:t>6/26/17</a:t>
             </a:fld>
             <a:endParaRPr lang="en-US"/>
           </a:p>
@@ -897,7 +898,7 @@
           <a:p>
             <a:fld id="{078C8833-B1B4-0545-8C8B-E4F56E1BF527}" type="datetimeFigureOut">
               <a:rPr lang="en-US" smtClean="0"/>
-              <a:t>6/17/17</a:t>
+              <a:t>6/26/17</a:t>
             </a:fld>
             <a:endParaRPr lang="en-US"/>
           </a:p>
@@ -1077,7 +1078,7 @@
           <a:p>
             <a:fld id="{078C8833-B1B4-0545-8C8B-E4F56E1BF527}" type="datetimeFigureOut">
               <a:rPr lang="en-US" smtClean="0"/>
-              <a:t>6/17/17</a:t>
+              <a:t>6/26/17</a:t>
             </a:fld>
             <a:endParaRPr lang="en-US"/>
           </a:p>
@@ -1247,7 +1248,7 @@
           <a:p>
             <a:fld id="{078C8833-B1B4-0545-8C8B-E4F56E1BF527}" type="datetimeFigureOut">
               <a:rPr lang="en-US" smtClean="0"/>
-              <a:t>6/17/17</a:t>
+              <a:t>6/26/17</a:t>
             </a:fld>
             <a:endParaRPr lang="en-US"/>
           </a:p>
@@ -1493,7 +1494,7 @@
           <a:p>
             <a:fld id="{078C8833-B1B4-0545-8C8B-E4F56E1BF527}" type="datetimeFigureOut">
               <a:rPr lang="en-US" smtClean="0"/>
-              <a:t>6/17/17</a:t>
+              <a:t>6/26/17</a:t>
             </a:fld>
             <a:endParaRPr lang="en-US"/>
           </a:p>
@@ -1781,7 +1782,7 @@
           <a:p>
             <a:fld id="{078C8833-B1B4-0545-8C8B-E4F56E1BF527}" type="datetimeFigureOut">
               <a:rPr lang="en-US" smtClean="0"/>
-              <a:t>6/17/17</a:t>
+              <a:t>6/26/17</a:t>
             </a:fld>
             <a:endParaRPr lang="en-US"/>
           </a:p>
@@ -2203,7 +2204,7 @@
           <a:p>
             <a:fld id="{078C8833-B1B4-0545-8C8B-E4F56E1BF527}" type="datetimeFigureOut">
               <a:rPr lang="en-US" smtClean="0"/>
-              <a:t>6/17/17</a:t>
+              <a:t>6/26/17</a:t>
             </a:fld>
             <a:endParaRPr lang="en-US"/>
           </a:p>
@@ -2321,7 +2322,7 @@
           <a:p>
             <a:fld id="{078C8833-B1B4-0545-8C8B-E4F56E1BF527}" type="datetimeFigureOut">
               <a:rPr lang="en-US" smtClean="0"/>
-              <a:t>6/17/17</a:t>
+              <a:t>6/26/17</a:t>
             </a:fld>
             <a:endParaRPr lang="en-US"/>
           </a:p>
@@ -2416,7 +2417,7 @@
           <a:p>
             <a:fld id="{078C8833-B1B4-0545-8C8B-E4F56E1BF527}" type="datetimeFigureOut">
               <a:rPr lang="en-US" smtClean="0"/>
-              <a:t>6/17/17</a:t>
+              <a:t>6/26/17</a:t>
             </a:fld>
             <a:endParaRPr lang="en-US"/>
           </a:p>
@@ -2693,7 +2694,7 @@
           <a:p>
             <a:fld id="{078C8833-B1B4-0545-8C8B-E4F56E1BF527}" type="datetimeFigureOut">
               <a:rPr lang="en-US" smtClean="0"/>
-              <a:t>6/17/17</a:t>
+              <a:t>6/26/17</a:t>
             </a:fld>
             <a:endParaRPr lang="en-US"/>
           </a:p>
@@ -2946,7 +2947,7 @@
           <a:p>
             <a:fld id="{078C8833-B1B4-0545-8C8B-E4F56E1BF527}" type="datetimeFigureOut">
               <a:rPr lang="en-US" smtClean="0"/>
-              <a:t>6/17/17</a:t>
+              <a:t>6/26/17</a:t>
             </a:fld>
             <a:endParaRPr lang="en-US"/>
           </a:p>
@@ -3159,7 +3160,7 @@
           <a:p>
             <a:fld id="{078C8833-B1B4-0545-8C8B-E4F56E1BF527}" type="datetimeFigureOut">
               <a:rPr lang="en-US" smtClean="0"/>
-              <a:t>6/17/17</a:t>
+              <a:t>6/26/17</a:t>
             </a:fld>
             <a:endParaRPr lang="en-US"/>
           </a:p>
@@ -3846,7 +3847,7 @@
               <a:graphicData uri="http://schemas.openxmlformats.org/presentationml/2006/ole">
                 <mc:AlternateContent xmlns:mc="http://schemas.openxmlformats.org/markup-compatibility/2006">
                   <mc:Choice xmlns:v="urn:schemas-microsoft-com:vml" Requires="v">
-                    <p:oleObj spid="_x0000_s1043" name="Equation" r:id="rId3" imgW="114300" imgH="165100" progId="Equation.3">
+                    <p:oleObj spid="_x0000_s1047" name="Equation" r:id="rId3" imgW="114300" imgH="165100" progId="Equation.3">
                       <p:embed/>
                     </p:oleObj>
                   </mc:Choice>
@@ -5489,10 +5490,6 @@
               </a:rPr>
               <a:t>3</a:t>
             </a:r>
-            <a:endParaRPr lang="en-US" dirty="0">
-              <a:latin typeface="Times New Roman"/>
-              <a:cs typeface="Times New Roman"/>
-            </a:endParaRPr>
           </a:p>
         </p:txBody>
       </p:sp>
@@ -5895,6 +5892,1099 @@
     <p:extLst>
       <p:ext uri="{BB962C8B-B14F-4D97-AF65-F5344CB8AC3E}">
         <p14:creationId xmlns:p14="http://schemas.microsoft.com/office/powerpoint/2010/main" val="761252868"/>
+      </p:ext>
+    </p:extLst>
+  </p:cSld>
+  <p:clrMapOvr>
+    <a:masterClrMapping/>
+  </p:clrMapOvr>
+</p:sld>
+</file>
+
+<file path=ppt/slides/slide4.xml><?xml version="1.0" encoding="utf-8"?>
+<p:sld xmlns:a="http://schemas.openxmlformats.org/drawingml/2006/main" xmlns:r="http://schemas.openxmlformats.org/officeDocument/2006/relationships" xmlns:p="http://schemas.openxmlformats.org/presentationml/2006/main">
+  <p:cSld>
+    <p:spTree>
+      <p:nvGrpSpPr>
+        <p:cNvPr id="1" name=""/>
+        <p:cNvGrpSpPr/>
+        <p:nvPr/>
+      </p:nvGrpSpPr>
+      <p:grpSpPr>
+        <a:xfrm>
+          <a:off x="0" y="0"/>
+          <a:ext cx="0" cy="0"/>
+          <a:chOff x="0" y="0"/>
+          <a:chExt cx="0" cy="0"/>
+        </a:xfrm>
+      </p:grpSpPr>
+      <p:grpSp>
+        <p:nvGrpSpPr>
+          <p:cNvPr id="69" name="Group 68"/>
+          <p:cNvGrpSpPr/>
+          <p:nvPr/>
+        </p:nvGrpSpPr>
+        <p:grpSpPr>
+          <a:xfrm>
+            <a:off x="2646085" y="-41356"/>
+            <a:ext cx="5006079" cy="5807579"/>
+            <a:chOff x="2971457" y="383778"/>
+            <a:chExt cx="5006079" cy="5807579"/>
+          </a:xfrm>
+        </p:grpSpPr>
+        <p:grpSp>
+          <p:nvGrpSpPr>
+            <p:cNvPr id="8" name="Group 7"/>
+            <p:cNvGrpSpPr/>
+            <p:nvPr/>
+          </p:nvGrpSpPr>
+          <p:grpSpPr>
+            <a:xfrm>
+              <a:off x="3231051" y="383778"/>
+              <a:ext cx="2014349" cy="692776"/>
+              <a:chOff x="2363900" y="1731939"/>
+              <a:chExt cx="1695826" cy="865970"/>
+            </a:xfrm>
+          </p:grpSpPr>
+          <p:sp>
+            <p:nvSpPr>
+              <p:cNvPr id="6" name="Process 5"/>
+              <p:cNvSpPr/>
+              <p:nvPr/>
+            </p:nvSpPr>
+            <p:spPr>
+              <a:xfrm>
+                <a:off x="2363900" y="1731939"/>
+                <a:ext cx="1695826" cy="865970"/>
+              </a:xfrm>
+              <a:prstGeom prst="flowChartProcess">
+                <a:avLst/>
+              </a:prstGeom>
+              <a:noFill/>
+              <a:ln>
+                <a:solidFill>
+                  <a:schemeClr val="tx1"/>
+                </a:solidFill>
+              </a:ln>
+              <a:effectLst/>
+            </p:spPr>
+            <p:style>
+              <a:lnRef idx="1">
+                <a:schemeClr val="accent1"/>
+              </a:lnRef>
+              <a:fillRef idx="3">
+                <a:schemeClr val="accent1"/>
+              </a:fillRef>
+              <a:effectRef idx="2">
+                <a:schemeClr val="accent1"/>
+              </a:effectRef>
+              <a:fontRef idx="minor">
+                <a:schemeClr val="lt1"/>
+              </a:fontRef>
+            </p:style>
+            <p:txBody>
+              <a:bodyPr rtlCol="0" anchor="ctr"/>
+              <a:lstStyle/>
+              <a:p>
+                <a:pPr algn="ctr"/>
+                <a:endParaRPr lang="en-US"/>
+              </a:p>
+            </p:txBody>
+          </p:sp>
+          <p:sp>
+            <p:nvSpPr>
+              <p:cNvPr id="7" name="TextBox 6"/>
+              <p:cNvSpPr txBox="1"/>
+              <p:nvPr/>
+            </p:nvSpPr>
+            <p:spPr>
+              <a:xfrm>
+                <a:off x="2740019" y="1934682"/>
+                <a:ext cx="1213016" cy="423193"/>
+              </a:xfrm>
+              <a:prstGeom prst="rect">
+                <a:avLst/>
+              </a:prstGeom>
+              <a:noFill/>
+            </p:spPr>
+            <p:txBody>
+              <a:bodyPr wrap="square" rtlCol="0">
+                <a:spAutoFit/>
+              </a:bodyPr>
+              <a:lstStyle/>
+              <a:p>
+                <a:r>
+                  <a:rPr lang="en-US" sz="1600" dirty="0" smtClean="0">
+                    <a:latin typeface="Times New Roman"/>
+                    <a:cs typeface="Times New Roman"/>
+                  </a:rPr>
+                  <a:t>β estimation</a:t>
+                </a:r>
+                <a:endParaRPr lang="en-US" sz="1600" dirty="0">
+                  <a:latin typeface="Times New Roman"/>
+                  <a:cs typeface="Times New Roman"/>
+                </a:endParaRPr>
+              </a:p>
+            </p:txBody>
+          </p:sp>
+        </p:grpSp>
+        <p:grpSp>
+          <p:nvGrpSpPr>
+            <p:cNvPr id="26" name="Group 25"/>
+            <p:cNvGrpSpPr>
+              <a:grpSpLocks noChangeAspect="1"/>
+            </p:cNvGrpSpPr>
+            <p:nvPr/>
+          </p:nvGrpSpPr>
+          <p:grpSpPr>
+            <a:xfrm>
+              <a:off x="2971457" y="2434114"/>
+              <a:ext cx="2533495" cy="1279183"/>
+              <a:chOff x="3243064" y="4013932"/>
+              <a:chExt cx="2033590" cy="971913"/>
+            </a:xfrm>
+          </p:grpSpPr>
+          <p:sp>
+            <p:nvSpPr>
+              <p:cNvPr id="24" name="Decision 23"/>
+              <p:cNvSpPr/>
+              <p:nvPr/>
+            </p:nvSpPr>
+            <p:spPr>
+              <a:xfrm>
+                <a:off x="3243064" y="4013932"/>
+                <a:ext cx="2033590" cy="971913"/>
+              </a:xfrm>
+              <a:prstGeom prst="flowChartDecision">
+                <a:avLst/>
+              </a:prstGeom>
+              <a:noFill/>
+              <a:ln>
+                <a:solidFill>
+                  <a:schemeClr val="tx1"/>
+                </a:solidFill>
+              </a:ln>
+              <a:effectLst/>
+            </p:spPr>
+            <p:style>
+              <a:lnRef idx="1">
+                <a:schemeClr val="accent1"/>
+              </a:lnRef>
+              <a:fillRef idx="3">
+                <a:schemeClr val="accent1"/>
+              </a:fillRef>
+              <a:effectRef idx="2">
+                <a:schemeClr val="accent1"/>
+              </a:effectRef>
+              <a:fontRef idx="minor">
+                <a:schemeClr val="lt1"/>
+              </a:fontRef>
+            </p:style>
+            <p:txBody>
+              <a:bodyPr rtlCol="0" anchor="ctr"/>
+              <a:lstStyle/>
+              <a:p>
+                <a:pPr algn="ctr"/>
+                <a:endParaRPr lang="en-US"/>
+              </a:p>
+            </p:txBody>
+          </p:sp>
+          <p:sp>
+            <p:nvSpPr>
+              <p:cNvPr id="25" name="TextBox 24"/>
+              <p:cNvSpPr txBox="1"/>
+              <p:nvPr/>
+            </p:nvSpPr>
+            <p:spPr>
+              <a:xfrm>
+                <a:off x="3643088" y="4243300"/>
+                <a:ext cx="1465386" cy="444308"/>
+              </a:xfrm>
+              <a:prstGeom prst="rect">
+                <a:avLst/>
+              </a:prstGeom>
+              <a:noFill/>
+            </p:spPr>
+            <p:txBody>
+              <a:bodyPr wrap="square" rtlCol="0">
+                <a:spAutoFit/>
+              </a:bodyPr>
+              <a:lstStyle/>
+              <a:p>
+                <a:r>
+                  <a:rPr lang="en-US" sz="1600" dirty="0" smtClean="0">
+                    <a:latin typeface="Times New Roman"/>
+                    <a:cs typeface="Times New Roman"/>
+                  </a:rPr>
+                  <a:t>Evaluation guitar alternately tuned?</a:t>
+                </a:r>
+                <a:endParaRPr lang="en-US" sz="1600" dirty="0">
+                  <a:latin typeface="Times New Roman"/>
+                  <a:cs typeface="Times New Roman"/>
+                </a:endParaRPr>
+              </a:p>
+            </p:txBody>
+          </p:sp>
+        </p:grpSp>
+        <p:graphicFrame>
+          <p:nvGraphicFramePr>
+            <p:cNvPr id="28" name="Object 27"/>
+            <p:cNvGraphicFramePr>
+              <a:graphicFrameLocks noChangeAspect="1"/>
+            </p:cNvGraphicFramePr>
+            <p:nvPr>
+              <p:extLst>
+                <p:ext uri="{D42A27DB-BD31-4B8C-83A1-F6EECF244321}">
+                  <p14:modId xmlns:p14="http://schemas.microsoft.com/office/powerpoint/2010/main" val="1562163579"/>
+                </p:ext>
+              </p:extLst>
+            </p:nvPr>
+          </p:nvGraphicFramePr>
+          <p:xfrm>
+            <a:off x="4514850" y="2829236"/>
+            <a:ext cx="114300" cy="165100"/>
+          </p:xfrm>
+          <a:graphic>
+            <a:graphicData uri="http://schemas.openxmlformats.org/presentationml/2006/ole">
+              <mc:AlternateContent xmlns:mc="http://schemas.openxmlformats.org/markup-compatibility/2006">
+                <mc:Choice xmlns:v="urn:schemas-microsoft-com:vml" Requires="v">
+                  <p:oleObj spid="_x0000_s2051" name="Equation" r:id="rId3" imgW="114300" imgH="165100" progId="Equation.3">
+                    <p:embed/>
+                  </p:oleObj>
+                </mc:Choice>
+                <mc:Fallback>
+                  <p:oleObj name="Equation" r:id="rId3" imgW="114300" imgH="165100" progId="Equation.3">
+                    <p:embed/>
+                    <p:pic>
+                      <p:nvPicPr>
+                        <p:cNvPr id="0" name=""/>
+                        <p:cNvPicPr/>
+                        <p:nvPr/>
+                      </p:nvPicPr>
+                      <p:blipFill>
+                        <a:blip r:embed="rId4"/>
+                        <a:stretch>
+                          <a:fillRect/>
+                        </a:stretch>
+                      </p:blipFill>
+                      <p:spPr>
+                        <a:xfrm>
+                          <a:off x="4514850" y="2829236"/>
+                          <a:ext cx="114300" cy="165100"/>
+                        </a:xfrm>
+                        <a:prstGeom prst="rect">
+                          <a:avLst/>
+                        </a:prstGeom>
+                      </p:spPr>
+                    </p:pic>
+                  </p:oleObj>
+                </mc:Fallback>
+              </mc:AlternateContent>
+            </a:graphicData>
+          </a:graphic>
+        </p:graphicFrame>
+        <p:grpSp>
+          <p:nvGrpSpPr>
+            <p:cNvPr id="18" name="Group 17"/>
+            <p:cNvGrpSpPr/>
+            <p:nvPr/>
+          </p:nvGrpSpPr>
+          <p:grpSpPr>
+            <a:xfrm>
+              <a:off x="3215658" y="1409912"/>
+              <a:ext cx="2033590" cy="692776"/>
+              <a:chOff x="3214230" y="1246780"/>
+              <a:chExt cx="2033590" cy="692776"/>
+            </a:xfrm>
+          </p:grpSpPr>
+          <p:sp>
+            <p:nvSpPr>
+              <p:cNvPr id="19" name="Process 18"/>
+              <p:cNvSpPr/>
+              <p:nvPr/>
+            </p:nvSpPr>
+            <p:spPr>
+              <a:xfrm>
+                <a:off x="3231052" y="1246780"/>
+                <a:ext cx="2014349" cy="692776"/>
+              </a:xfrm>
+              <a:prstGeom prst="flowChartProcess">
+                <a:avLst/>
+              </a:prstGeom>
+              <a:noFill/>
+              <a:ln>
+                <a:solidFill>
+                  <a:schemeClr val="tx1"/>
+                </a:solidFill>
+              </a:ln>
+              <a:effectLst/>
+            </p:spPr>
+            <p:style>
+              <a:lnRef idx="1">
+                <a:schemeClr val="accent1"/>
+              </a:lnRef>
+              <a:fillRef idx="3">
+                <a:schemeClr val="accent1"/>
+              </a:fillRef>
+              <a:effectRef idx="2">
+                <a:schemeClr val="accent1"/>
+              </a:effectRef>
+              <a:fontRef idx="minor">
+                <a:schemeClr val="lt1"/>
+              </a:fontRef>
+            </p:style>
+            <p:txBody>
+              <a:bodyPr rtlCol="0" anchor="ctr"/>
+              <a:lstStyle/>
+              <a:p>
+                <a:pPr algn="ctr"/>
+                <a:endParaRPr lang="en-US"/>
+              </a:p>
+            </p:txBody>
+          </p:sp>
+          <p:sp>
+            <p:nvSpPr>
+              <p:cNvPr id="20" name="TextBox 19"/>
+              <p:cNvSpPr txBox="1"/>
+              <p:nvPr/>
+            </p:nvSpPr>
+            <p:spPr>
+              <a:xfrm>
+                <a:off x="3214230" y="1286265"/>
+                <a:ext cx="2033590" cy="584776"/>
+              </a:xfrm>
+              <a:prstGeom prst="rect">
+                <a:avLst/>
+              </a:prstGeom>
+              <a:noFill/>
+            </p:spPr>
+            <p:txBody>
+              <a:bodyPr wrap="square" rtlCol="0">
+                <a:spAutoFit/>
+              </a:bodyPr>
+              <a:lstStyle/>
+              <a:p>
+                <a:pPr algn="ctr"/>
+                <a:r>
+                  <a:rPr lang="en-US" sz="1600" dirty="0" smtClean="0">
+                    <a:latin typeface="Times New Roman"/>
+                    <a:cs typeface="Times New Roman"/>
+                  </a:rPr>
+                  <a:t>Learn </a:t>
+                </a:r>
+                <a:r>
+                  <a:rPr lang="en-US" sz="1600" dirty="0" err="1" smtClean="0">
+                    <a:latin typeface="Times New Roman"/>
+                    <a:cs typeface="Times New Roman"/>
+                  </a:rPr>
+                  <a:t>fretboard</a:t>
+                </a:r>
+                <a:r>
+                  <a:rPr lang="en-US" sz="1600" dirty="0" smtClean="0">
+                    <a:latin typeface="Times New Roman"/>
+                    <a:cs typeface="Times New Roman"/>
+                  </a:rPr>
+                  <a:t> </a:t>
+                </a:r>
+                <a:r>
+                  <a:rPr lang="en-US" sz="1600" dirty="0" smtClean="0">
+                    <a:latin typeface="Times New Roman"/>
+                    <a:cs typeface="Times New Roman"/>
+                  </a:rPr>
+                  <a:t>β distributions</a:t>
+                </a:r>
+                <a:endParaRPr lang="en-US" sz="1600" dirty="0">
+                  <a:latin typeface="Times New Roman"/>
+                  <a:cs typeface="Times New Roman"/>
+                </a:endParaRPr>
+              </a:p>
+            </p:txBody>
+          </p:sp>
+        </p:grpSp>
+        <p:cxnSp>
+          <p:nvCxnSpPr>
+            <p:cNvPr id="32" name="Straight Arrow Connector 31"/>
+            <p:cNvCxnSpPr/>
+            <p:nvPr/>
+          </p:nvCxnSpPr>
+          <p:spPr>
+            <a:xfrm>
+              <a:off x="4243620" y="1070264"/>
+              <a:ext cx="0" cy="343749"/>
+            </a:xfrm>
+            <a:prstGeom prst="straightConnector1">
+              <a:avLst/>
+            </a:prstGeom>
+            <a:ln>
+              <a:solidFill>
+                <a:schemeClr val="tx1"/>
+              </a:solidFill>
+              <a:tailEnd type="arrow"/>
+            </a:ln>
+            <a:effectLst/>
+          </p:spPr>
+          <p:style>
+            <a:lnRef idx="2">
+              <a:schemeClr val="accent1"/>
+            </a:lnRef>
+            <a:fillRef idx="0">
+              <a:schemeClr val="accent1"/>
+            </a:fillRef>
+            <a:effectRef idx="1">
+              <a:schemeClr val="accent1"/>
+            </a:effectRef>
+            <a:fontRef idx="minor">
+              <a:schemeClr val="tx1"/>
+            </a:fontRef>
+          </p:style>
+        </p:cxnSp>
+        <p:cxnSp>
+          <p:nvCxnSpPr>
+            <p:cNvPr id="35" name="Straight Arrow Connector 34"/>
+            <p:cNvCxnSpPr/>
+            <p:nvPr/>
+          </p:nvCxnSpPr>
+          <p:spPr>
+            <a:xfrm>
+              <a:off x="4243620" y="2102688"/>
+              <a:ext cx="0" cy="343749"/>
+            </a:xfrm>
+            <a:prstGeom prst="straightConnector1">
+              <a:avLst/>
+            </a:prstGeom>
+            <a:ln>
+              <a:solidFill>
+                <a:schemeClr val="tx1"/>
+              </a:solidFill>
+              <a:tailEnd type="arrow"/>
+            </a:ln>
+            <a:effectLst/>
+          </p:spPr>
+          <p:style>
+            <a:lnRef idx="2">
+              <a:schemeClr val="accent1"/>
+            </a:lnRef>
+            <a:fillRef idx="0">
+              <a:schemeClr val="accent1"/>
+            </a:fillRef>
+            <a:effectRef idx="1">
+              <a:schemeClr val="accent1"/>
+            </a:effectRef>
+            <a:fontRef idx="minor">
+              <a:schemeClr val="tx1"/>
+            </a:fontRef>
+          </p:style>
+        </p:cxnSp>
+        <p:cxnSp>
+          <p:nvCxnSpPr>
+            <p:cNvPr id="36" name="Straight Arrow Connector 35"/>
+            <p:cNvCxnSpPr>
+              <a:stCxn id="24" idx="2"/>
+              <a:endCxn id="50" idx="0"/>
+            </p:cNvCxnSpPr>
+            <p:nvPr/>
+          </p:nvCxnSpPr>
+          <p:spPr>
+            <a:xfrm>
+              <a:off x="4238205" y="3713297"/>
+              <a:ext cx="5415" cy="744808"/>
+            </a:xfrm>
+            <a:prstGeom prst="straightConnector1">
+              <a:avLst/>
+            </a:prstGeom>
+            <a:ln>
+              <a:solidFill>
+                <a:schemeClr val="tx1"/>
+              </a:solidFill>
+              <a:tailEnd type="arrow"/>
+            </a:ln>
+            <a:effectLst/>
+          </p:spPr>
+          <p:style>
+            <a:lnRef idx="2">
+              <a:schemeClr val="accent1"/>
+            </a:lnRef>
+            <a:fillRef idx="0">
+              <a:schemeClr val="accent1"/>
+            </a:fillRef>
+            <a:effectRef idx="1">
+              <a:schemeClr val="accent1"/>
+            </a:effectRef>
+            <a:fontRef idx="minor">
+              <a:schemeClr val="tx1"/>
+            </a:fontRef>
+          </p:style>
+        </p:cxnSp>
+        <p:cxnSp>
+          <p:nvCxnSpPr>
+            <p:cNvPr id="37" name="Straight Arrow Connector 36"/>
+            <p:cNvCxnSpPr>
+              <a:endCxn id="16" idx="0"/>
+            </p:cNvCxnSpPr>
+            <p:nvPr/>
+          </p:nvCxnSpPr>
+          <p:spPr>
+            <a:xfrm>
+              <a:off x="6970362" y="3073706"/>
+              <a:ext cx="0" cy="469997"/>
+            </a:xfrm>
+            <a:prstGeom prst="straightConnector1">
+              <a:avLst/>
+            </a:prstGeom>
+            <a:ln>
+              <a:solidFill>
+                <a:schemeClr val="tx1"/>
+              </a:solidFill>
+              <a:tailEnd type="arrow"/>
+            </a:ln>
+            <a:effectLst/>
+          </p:spPr>
+          <p:style>
+            <a:lnRef idx="2">
+              <a:schemeClr val="accent1"/>
+            </a:lnRef>
+            <a:fillRef idx="0">
+              <a:schemeClr val="accent1"/>
+            </a:fillRef>
+            <a:effectRef idx="1">
+              <a:schemeClr val="accent1"/>
+            </a:effectRef>
+            <a:fontRef idx="minor">
+              <a:schemeClr val="tx1"/>
+            </a:fontRef>
+          </p:style>
+        </p:cxnSp>
+        <p:cxnSp>
+          <p:nvCxnSpPr>
+            <p:cNvPr id="40" name="Straight Connector 39"/>
+            <p:cNvCxnSpPr>
+              <a:stCxn id="24" idx="3"/>
+            </p:cNvCxnSpPr>
+            <p:nvPr/>
+          </p:nvCxnSpPr>
+          <p:spPr>
+            <a:xfrm>
+              <a:off x="5504952" y="3073706"/>
+              <a:ext cx="1457804" cy="14399"/>
+            </a:xfrm>
+            <a:prstGeom prst="line">
+              <a:avLst/>
+            </a:prstGeom>
+            <a:ln>
+              <a:solidFill>
+                <a:schemeClr val="tx1"/>
+              </a:solidFill>
+            </a:ln>
+            <a:effectLst/>
+          </p:spPr>
+          <p:style>
+            <a:lnRef idx="2">
+              <a:schemeClr val="accent1"/>
+            </a:lnRef>
+            <a:fillRef idx="0">
+              <a:schemeClr val="accent1"/>
+            </a:fillRef>
+            <a:effectRef idx="1">
+              <a:schemeClr val="accent1"/>
+            </a:effectRef>
+            <a:fontRef idx="minor">
+              <a:schemeClr val="tx1"/>
+            </a:fontRef>
+          </p:style>
+        </p:cxnSp>
+        <p:sp>
+          <p:nvSpPr>
+            <p:cNvPr id="43" name="TextBox 42"/>
+            <p:cNvSpPr txBox="1"/>
+            <p:nvPr/>
+          </p:nvSpPr>
+          <p:spPr>
+            <a:xfrm>
+              <a:off x="5415742" y="2717552"/>
+              <a:ext cx="483225" cy="338554"/>
+            </a:xfrm>
+            <a:prstGeom prst="rect">
+              <a:avLst/>
+            </a:prstGeom>
+            <a:noFill/>
+          </p:spPr>
+          <p:txBody>
+            <a:bodyPr wrap="none" rtlCol="0">
+              <a:spAutoFit/>
+            </a:bodyPr>
+            <a:lstStyle/>
+            <a:p>
+              <a:r>
+                <a:rPr lang="en-US" sz="1600" dirty="0" smtClean="0">
+                  <a:latin typeface="Times New Roman"/>
+                  <a:cs typeface="Times New Roman"/>
+                </a:rPr>
+                <a:t>Yes</a:t>
+              </a:r>
+              <a:endParaRPr lang="en-US" dirty="0">
+                <a:latin typeface="Times New Roman"/>
+                <a:cs typeface="Times New Roman"/>
+              </a:endParaRPr>
+            </a:p>
+          </p:txBody>
+        </p:sp>
+        <p:sp>
+          <p:nvSpPr>
+            <p:cNvPr id="44" name="TextBox 43"/>
+            <p:cNvSpPr txBox="1"/>
+            <p:nvPr/>
+          </p:nvSpPr>
+          <p:spPr>
+            <a:xfrm>
+              <a:off x="4262216" y="3622207"/>
+              <a:ext cx="435436" cy="338554"/>
+            </a:xfrm>
+            <a:prstGeom prst="rect">
+              <a:avLst/>
+            </a:prstGeom>
+            <a:noFill/>
+          </p:spPr>
+          <p:txBody>
+            <a:bodyPr wrap="none" rtlCol="0">
+              <a:spAutoFit/>
+            </a:bodyPr>
+            <a:lstStyle/>
+            <a:p>
+              <a:r>
+                <a:rPr lang="en-US" sz="1600" dirty="0" smtClean="0">
+                  <a:latin typeface="Times New Roman"/>
+                  <a:cs typeface="Times New Roman"/>
+                </a:rPr>
+                <a:t>No</a:t>
+              </a:r>
+              <a:endParaRPr lang="en-US" sz="1600" dirty="0">
+                <a:latin typeface="Times New Roman"/>
+                <a:cs typeface="Times New Roman"/>
+              </a:endParaRPr>
+            </a:p>
+          </p:txBody>
+        </p:sp>
+        <p:grpSp>
+          <p:nvGrpSpPr>
+            <p:cNvPr id="15" name="Group 14"/>
+            <p:cNvGrpSpPr/>
+            <p:nvPr/>
+          </p:nvGrpSpPr>
+          <p:grpSpPr>
+            <a:xfrm>
+              <a:off x="5963187" y="3543703"/>
+              <a:ext cx="2014349" cy="692776"/>
+              <a:chOff x="3231052" y="895096"/>
+              <a:chExt cx="2014349" cy="692776"/>
+            </a:xfrm>
+          </p:grpSpPr>
+          <p:sp>
+            <p:nvSpPr>
+              <p:cNvPr id="16" name="Process 15"/>
+              <p:cNvSpPr/>
+              <p:nvPr/>
+            </p:nvSpPr>
+            <p:spPr>
+              <a:xfrm>
+                <a:off x="3231052" y="895096"/>
+                <a:ext cx="2014349" cy="692776"/>
+              </a:xfrm>
+              <a:prstGeom prst="flowChartProcess">
+                <a:avLst/>
+              </a:prstGeom>
+              <a:noFill/>
+              <a:ln>
+                <a:solidFill>
+                  <a:schemeClr val="tx1"/>
+                </a:solidFill>
+              </a:ln>
+              <a:effectLst/>
+            </p:spPr>
+            <p:style>
+              <a:lnRef idx="1">
+                <a:schemeClr val="accent1"/>
+              </a:lnRef>
+              <a:fillRef idx="3">
+                <a:schemeClr val="accent1"/>
+              </a:fillRef>
+              <a:effectRef idx="2">
+                <a:schemeClr val="accent1"/>
+              </a:effectRef>
+              <a:fontRef idx="minor">
+                <a:schemeClr val="lt1"/>
+              </a:fontRef>
+            </p:style>
+            <p:txBody>
+              <a:bodyPr rtlCol="0" anchor="ctr"/>
+              <a:lstStyle/>
+              <a:p>
+                <a:pPr algn="ctr"/>
+                <a:endParaRPr lang="en-US"/>
+              </a:p>
+            </p:txBody>
+          </p:sp>
+          <p:sp>
+            <p:nvSpPr>
+              <p:cNvPr id="17" name="TextBox 16"/>
+              <p:cNvSpPr txBox="1"/>
+              <p:nvPr/>
+            </p:nvSpPr>
+            <p:spPr>
+              <a:xfrm>
+                <a:off x="3652796" y="938023"/>
+                <a:ext cx="1276626" cy="584776"/>
+              </a:xfrm>
+              <a:prstGeom prst="rect">
+                <a:avLst/>
+              </a:prstGeom>
+              <a:noFill/>
+            </p:spPr>
+            <p:txBody>
+              <a:bodyPr wrap="square" rtlCol="0">
+                <a:spAutoFit/>
+              </a:bodyPr>
+              <a:lstStyle/>
+              <a:p>
+                <a:r>
+                  <a:rPr lang="en-US" sz="1600" dirty="0" smtClean="0">
+                    <a:latin typeface="Times New Roman"/>
+                    <a:cs typeface="Times New Roman"/>
+                  </a:rPr>
+                  <a:t>Compensate distributions </a:t>
+                </a:r>
+                <a:endParaRPr lang="en-US" sz="1600" dirty="0">
+                  <a:latin typeface="Times New Roman"/>
+                  <a:cs typeface="Times New Roman"/>
+                </a:endParaRPr>
+              </a:p>
+            </p:txBody>
+          </p:sp>
+        </p:grpSp>
+        <p:grpSp>
+          <p:nvGrpSpPr>
+            <p:cNvPr id="48" name="Group 47"/>
+            <p:cNvGrpSpPr/>
+            <p:nvPr/>
+          </p:nvGrpSpPr>
+          <p:grpSpPr>
+            <a:xfrm>
+              <a:off x="3236445" y="4458105"/>
+              <a:ext cx="2050630" cy="692776"/>
+              <a:chOff x="3231052" y="641102"/>
+              <a:chExt cx="2050630" cy="692776"/>
+            </a:xfrm>
+          </p:grpSpPr>
+          <p:sp>
+            <p:nvSpPr>
+              <p:cNvPr id="50" name="Process 49"/>
+              <p:cNvSpPr/>
+              <p:nvPr/>
+            </p:nvSpPr>
+            <p:spPr>
+              <a:xfrm>
+                <a:off x="3231052" y="641102"/>
+                <a:ext cx="2014349" cy="692776"/>
+              </a:xfrm>
+              <a:prstGeom prst="flowChartProcess">
+                <a:avLst/>
+              </a:prstGeom>
+              <a:noFill/>
+              <a:ln>
+                <a:solidFill>
+                  <a:schemeClr val="tx1"/>
+                </a:solidFill>
+              </a:ln>
+              <a:effectLst/>
+            </p:spPr>
+            <p:style>
+              <a:lnRef idx="1">
+                <a:schemeClr val="accent1"/>
+              </a:lnRef>
+              <a:fillRef idx="3">
+                <a:schemeClr val="accent1"/>
+              </a:fillRef>
+              <a:effectRef idx="2">
+                <a:schemeClr val="accent1"/>
+              </a:effectRef>
+              <a:fontRef idx="minor">
+                <a:schemeClr val="lt1"/>
+              </a:fontRef>
+            </p:style>
+            <p:txBody>
+              <a:bodyPr rtlCol="0" anchor="ctr"/>
+              <a:lstStyle/>
+              <a:p>
+                <a:pPr algn="ctr"/>
+                <a:endParaRPr lang="en-US"/>
+              </a:p>
+            </p:txBody>
+          </p:sp>
+          <p:sp>
+            <p:nvSpPr>
+              <p:cNvPr id="51" name="TextBox 50"/>
+              <p:cNvSpPr txBox="1"/>
+              <p:nvPr/>
+            </p:nvSpPr>
+            <p:spPr>
+              <a:xfrm>
+                <a:off x="3374793" y="691266"/>
+                <a:ext cx="1906889" cy="584776"/>
+              </a:xfrm>
+              <a:prstGeom prst="rect">
+                <a:avLst/>
+              </a:prstGeom>
+              <a:noFill/>
+            </p:spPr>
+            <p:txBody>
+              <a:bodyPr wrap="square" rtlCol="0">
+                <a:spAutoFit/>
+              </a:bodyPr>
+              <a:lstStyle/>
+              <a:p>
+                <a:r>
+                  <a:rPr lang="en-US" sz="1600" dirty="0" err="1" smtClean="0">
+                    <a:latin typeface="Times New Roman"/>
+                    <a:cs typeface="Times New Roman"/>
+                  </a:rPr>
+                  <a:t>Fretboard</a:t>
+                </a:r>
+                <a:r>
+                  <a:rPr lang="en-US" sz="1600" dirty="0" smtClean="0">
+                    <a:latin typeface="Times New Roman"/>
+                    <a:cs typeface="Times New Roman"/>
+                  </a:rPr>
+                  <a:t> position classification</a:t>
+                </a:r>
+                <a:endParaRPr lang="en-US" sz="1600" dirty="0">
+                  <a:latin typeface="Times New Roman"/>
+                  <a:cs typeface="Times New Roman"/>
+                </a:endParaRPr>
+              </a:p>
+            </p:txBody>
+          </p:sp>
+        </p:grpSp>
+        <p:cxnSp>
+          <p:nvCxnSpPr>
+            <p:cNvPr id="54" name="Straight Connector 53"/>
+            <p:cNvCxnSpPr>
+              <a:endCxn id="16" idx="2"/>
+            </p:cNvCxnSpPr>
+            <p:nvPr/>
+          </p:nvCxnSpPr>
+          <p:spPr>
+            <a:xfrm flipV="1">
+              <a:off x="6970362" y="4236479"/>
+              <a:ext cx="0" cy="568014"/>
+            </a:xfrm>
+            <a:prstGeom prst="line">
+              <a:avLst/>
+            </a:prstGeom>
+            <a:ln>
+              <a:solidFill>
+                <a:schemeClr val="tx1"/>
+              </a:solidFill>
+            </a:ln>
+            <a:effectLst/>
+          </p:spPr>
+          <p:style>
+            <a:lnRef idx="2">
+              <a:schemeClr val="accent1"/>
+            </a:lnRef>
+            <a:fillRef idx="0">
+              <a:schemeClr val="accent1"/>
+            </a:fillRef>
+            <a:effectRef idx="1">
+              <a:schemeClr val="accent1"/>
+            </a:effectRef>
+            <a:fontRef idx="minor">
+              <a:schemeClr val="tx1"/>
+            </a:fontRef>
+          </p:style>
+        </p:cxnSp>
+        <p:cxnSp>
+          <p:nvCxnSpPr>
+            <p:cNvPr id="57" name="Straight Arrow Connector 56"/>
+            <p:cNvCxnSpPr>
+              <a:endCxn id="50" idx="3"/>
+            </p:cNvCxnSpPr>
+            <p:nvPr/>
+          </p:nvCxnSpPr>
+          <p:spPr>
+            <a:xfrm flipH="1">
+              <a:off x="5250794" y="4804493"/>
+              <a:ext cx="1711962" cy="0"/>
+            </a:xfrm>
+            <a:prstGeom prst="straightConnector1">
+              <a:avLst/>
+            </a:prstGeom>
+            <a:ln>
+              <a:solidFill>
+                <a:schemeClr val="tx1"/>
+              </a:solidFill>
+              <a:tailEnd type="arrow"/>
+            </a:ln>
+            <a:effectLst/>
+          </p:spPr>
+          <p:style>
+            <a:lnRef idx="2">
+              <a:schemeClr val="accent1"/>
+            </a:lnRef>
+            <a:fillRef idx="0">
+              <a:schemeClr val="accent1"/>
+            </a:fillRef>
+            <a:effectRef idx="1">
+              <a:schemeClr val="accent1"/>
+            </a:effectRef>
+            <a:fontRef idx="minor">
+              <a:schemeClr val="tx1"/>
+            </a:fontRef>
+          </p:style>
+        </p:cxnSp>
+        <p:grpSp>
+          <p:nvGrpSpPr>
+            <p:cNvPr id="65" name="Group 64"/>
+            <p:cNvGrpSpPr/>
+            <p:nvPr/>
+          </p:nvGrpSpPr>
+          <p:grpSpPr>
+            <a:xfrm>
+              <a:off x="3231051" y="5498581"/>
+              <a:ext cx="2014349" cy="692776"/>
+              <a:chOff x="3231052" y="631852"/>
+              <a:chExt cx="2014349" cy="692776"/>
+            </a:xfrm>
+          </p:grpSpPr>
+          <p:sp>
+            <p:nvSpPr>
+              <p:cNvPr id="66" name="Process 65"/>
+              <p:cNvSpPr/>
+              <p:nvPr/>
+            </p:nvSpPr>
+            <p:spPr>
+              <a:xfrm>
+                <a:off x="3231052" y="631852"/>
+                <a:ext cx="2014349" cy="692776"/>
+              </a:xfrm>
+              <a:prstGeom prst="flowChartProcess">
+                <a:avLst/>
+              </a:prstGeom>
+              <a:noFill/>
+              <a:ln>
+                <a:solidFill>
+                  <a:schemeClr val="tx1"/>
+                </a:solidFill>
+              </a:ln>
+              <a:effectLst/>
+            </p:spPr>
+            <p:style>
+              <a:lnRef idx="1">
+                <a:schemeClr val="accent1"/>
+              </a:lnRef>
+              <a:fillRef idx="3">
+                <a:schemeClr val="accent1"/>
+              </a:fillRef>
+              <a:effectRef idx="2">
+                <a:schemeClr val="accent1"/>
+              </a:effectRef>
+              <a:fontRef idx="minor">
+                <a:schemeClr val="lt1"/>
+              </a:fontRef>
+            </p:style>
+            <p:txBody>
+              <a:bodyPr rtlCol="0" anchor="ctr"/>
+              <a:lstStyle/>
+              <a:p>
+                <a:pPr algn="ctr"/>
+                <a:endParaRPr lang="en-US"/>
+              </a:p>
+            </p:txBody>
+          </p:sp>
+          <p:sp>
+            <p:nvSpPr>
+              <p:cNvPr id="67" name="TextBox 66"/>
+              <p:cNvSpPr txBox="1"/>
+              <p:nvPr/>
+            </p:nvSpPr>
+            <p:spPr>
+              <a:xfrm>
+                <a:off x="3303772" y="774822"/>
+                <a:ext cx="1906889" cy="338554"/>
+              </a:xfrm>
+              <a:prstGeom prst="rect">
+                <a:avLst/>
+              </a:prstGeom>
+              <a:noFill/>
+            </p:spPr>
+            <p:txBody>
+              <a:bodyPr wrap="square" rtlCol="0">
+                <a:spAutoFit/>
+              </a:bodyPr>
+              <a:lstStyle/>
+              <a:p>
+                <a:r>
+                  <a:rPr lang="en-US" sz="1600" dirty="0" smtClean="0">
+                    <a:latin typeface="Times New Roman"/>
+                    <a:cs typeface="Times New Roman"/>
+                  </a:rPr>
+                  <a:t>Tablature </a:t>
+                </a:r>
+                <a:r>
+                  <a:rPr lang="en-US" sz="1600" dirty="0" smtClean="0">
+                    <a:latin typeface="Times New Roman"/>
+                    <a:cs typeface="Times New Roman"/>
+                  </a:rPr>
+                  <a:t>conversion</a:t>
+                </a:r>
+                <a:endParaRPr lang="en-US" sz="1600" dirty="0">
+                  <a:latin typeface="Times New Roman"/>
+                  <a:cs typeface="Times New Roman"/>
+                </a:endParaRPr>
+              </a:p>
+            </p:txBody>
+          </p:sp>
+        </p:grpSp>
+        <p:cxnSp>
+          <p:nvCxnSpPr>
+            <p:cNvPr id="68" name="Straight Arrow Connector 67"/>
+            <p:cNvCxnSpPr/>
+            <p:nvPr/>
+          </p:nvCxnSpPr>
+          <p:spPr>
+            <a:xfrm>
+              <a:off x="4243620" y="5141631"/>
+              <a:ext cx="0" cy="343749"/>
+            </a:xfrm>
+            <a:prstGeom prst="straightConnector1">
+              <a:avLst/>
+            </a:prstGeom>
+            <a:ln>
+              <a:solidFill>
+                <a:schemeClr val="tx1"/>
+              </a:solidFill>
+              <a:tailEnd type="arrow"/>
+            </a:ln>
+            <a:effectLst/>
+          </p:spPr>
+          <p:style>
+            <a:lnRef idx="2">
+              <a:schemeClr val="accent1"/>
+            </a:lnRef>
+            <a:fillRef idx="0">
+              <a:schemeClr val="accent1"/>
+            </a:fillRef>
+            <a:effectRef idx="1">
+              <a:schemeClr val="accent1"/>
+            </a:effectRef>
+            <a:fontRef idx="minor">
+              <a:schemeClr val="tx1"/>
+            </a:fontRef>
+          </p:style>
+        </p:cxnSp>
+      </p:grpSp>
+    </p:spTree>
+    <p:extLst>
+      <p:ext uri="{BB962C8B-B14F-4D97-AF65-F5344CB8AC3E}">
+        <p14:creationId xmlns:p14="http://schemas.microsoft.com/office/powerpoint/2010/main" val="4176826683"/>
       </p:ext>
     </p:extLst>
   </p:cSld>
